--- a/VRP Project presentation.pptx
+++ b/VRP Project presentation.pptx
@@ -4,6 +4,9 @@
   <p:sldMasterIdLst>
     <p:sldMasterId id="2147483660" r:id="rId1"/>
   </p:sldMasterIdLst>
+  <p:notesMasterIdLst>
+    <p:notesMasterId r:id="rId11"/>
+  </p:notesMasterIdLst>
   <p:sldIdLst>
     <p:sldId id="256" r:id="rId2"/>
     <p:sldId id="257" r:id="rId3"/>
@@ -12,7 +15,8 @@
     <p:sldId id="260" r:id="rId6"/>
     <p:sldId id="261" r:id="rId7"/>
     <p:sldId id="263" r:id="rId8"/>
-    <p:sldId id="262" r:id="rId9"/>
+    <p:sldId id="264" r:id="rId9"/>
+    <p:sldId id="262" r:id="rId10"/>
   </p:sldIdLst>
   <p:sldSz cx="12192000" cy="6858000"/>
   <p:notesSz cx="6858000" cy="9144000"/>
@@ -111,6 +115,11 @@
       </a:defRPr>
     </a:lvl9pPr>
   </p:defaultTextStyle>
+  <p:extLst>
+    <p:ext uri="{EFAFB233-063F-42B5-8137-9DF3F51BA10A}">
+      <p15:sldGuideLst xmlns:p15="http://schemas.microsoft.com/office/powerpoint/2012/main"/>
+    </p:ext>
+  </p:extLst>
 </p:presentation>
 </file>
 
@@ -984,6 +993,788 @@
   <dgm:styleLbl name="trBgShp">
     <dgm:fillClrLst meth="repeat">
       <a:schemeClr val="accent1">
+        <a:tint val="50000"/>
+        <a:alpha val="40000"/>
+      </a:schemeClr>
+    </dgm:fillClrLst>
+    <dgm:linClrLst meth="repeat">
+      <a:schemeClr val="accent2"/>
+    </dgm:linClrLst>
+    <dgm:effectClrLst/>
+    <dgm:txLinClrLst/>
+    <dgm:txFillClrLst meth="repeat">
+      <a:schemeClr val="lt1"/>
+    </dgm:txFillClrLst>
+    <dgm:txEffectClrLst/>
+  </dgm:styleLbl>
+  <dgm:styleLbl name="fgShp">
+    <dgm:fillClrLst meth="repeat">
+      <a:schemeClr val="accent2">
+        <a:tint val="40000"/>
+      </a:schemeClr>
+    </dgm:fillClrLst>
+    <dgm:linClrLst meth="repeat">
+      <a:schemeClr val="lt1"/>
+    </dgm:linClrLst>
+    <dgm:effectClrLst/>
+    <dgm:txLinClrLst/>
+    <dgm:txFillClrLst meth="repeat">
+      <a:schemeClr val="dk1"/>
+    </dgm:txFillClrLst>
+    <dgm:txEffectClrLst/>
+  </dgm:styleLbl>
+  <dgm:styleLbl name="revTx">
+    <dgm:fillClrLst meth="repeat">
+      <a:schemeClr val="lt1">
+        <a:alpha val="0"/>
+      </a:schemeClr>
+    </dgm:fillClrLst>
+    <dgm:linClrLst meth="repeat">
+      <a:schemeClr val="dk1">
+        <a:alpha val="0"/>
+      </a:schemeClr>
+    </dgm:linClrLst>
+    <dgm:effectClrLst/>
+    <dgm:txLinClrLst/>
+    <dgm:txFillClrLst meth="repeat">
+      <a:schemeClr val="tx1"/>
+    </dgm:txFillClrLst>
+    <dgm:txEffectClrLst/>
+  </dgm:styleLbl>
+</dgm:colorsDef>
+</file>
+
+<file path=ppt/diagrams/colors2.xml><?xml version="1.0" encoding="utf-8"?>
+<dgm:colorsDef xmlns:dgm="http://schemas.openxmlformats.org/drawingml/2006/diagram" xmlns:a="http://schemas.openxmlformats.org/drawingml/2006/main" uniqueId="urn:microsoft.com/office/officeart/2005/8/colors/colorful2">
+  <dgm:title val=""/>
+  <dgm:desc val=""/>
+  <dgm:catLst>
+    <dgm:cat type="colorful" pri="10200"/>
+  </dgm:catLst>
+  <dgm:styleLbl name="node0">
+    <dgm:fillClrLst meth="repeat">
+      <a:schemeClr val="accent1"/>
+    </dgm:fillClrLst>
+    <dgm:linClrLst meth="repeat">
+      <a:schemeClr val="lt1"/>
+    </dgm:linClrLst>
+    <dgm:effectClrLst/>
+    <dgm:txLinClrLst/>
+    <dgm:txFillClrLst/>
+    <dgm:txEffectClrLst/>
+  </dgm:styleLbl>
+  <dgm:styleLbl name="node1">
+    <dgm:fillClrLst>
+      <a:schemeClr val="accent2"/>
+      <a:schemeClr val="accent3"/>
+    </dgm:fillClrLst>
+    <dgm:linClrLst meth="repeat">
+      <a:schemeClr val="lt1"/>
+    </dgm:linClrLst>
+    <dgm:effectClrLst/>
+    <dgm:txLinClrLst/>
+    <dgm:txFillClrLst/>
+    <dgm:txEffectClrLst/>
+  </dgm:styleLbl>
+  <dgm:styleLbl name="alignNode1">
+    <dgm:fillClrLst>
+      <a:schemeClr val="accent2"/>
+      <a:schemeClr val="accent3"/>
+    </dgm:fillClrLst>
+    <dgm:linClrLst>
+      <a:schemeClr val="accent2"/>
+      <a:schemeClr val="accent3"/>
+    </dgm:linClrLst>
+    <dgm:effectClrLst/>
+    <dgm:txLinClrLst/>
+    <dgm:txFillClrLst/>
+    <dgm:txEffectClrLst/>
+  </dgm:styleLbl>
+  <dgm:styleLbl name="lnNode1">
+    <dgm:fillClrLst>
+      <a:schemeClr val="accent2"/>
+      <a:schemeClr val="accent3"/>
+    </dgm:fillClrLst>
+    <dgm:linClrLst meth="repeat">
+      <a:schemeClr val="lt1"/>
+    </dgm:linClrLst>
+    <dgm:effectClrLst/>
+    <dgm:txLinClrLst/>
+    <dgm:txFillClrLst/>
+    <dgm:txEffectClrLst/>
+  </dgm:styleLbl>
+  <dgm:styleLbl name="vennNode1">
+    <dgm:fillClrLst>
+      <a:schemeClr val="accent2">
+        <a:alpha val="50000"/>
+      </a:schemeClr>
+      <a:schemeClr val="accent3">
+        <a:alpha val="50000"/>
+      </a:schemeClr>
+    </dgm:fillClrLst>
+    <dgm:linClrLst meth="repeat">
+      <a:schemeClr val="lt1"/>
+    </dgm:linClrLst>
+    <dgm:effectClrLst/>
+    <dgm:txLinClrLst/>
+    <dgm:txFillClrLst/>
+    <dgm:txEffectClrLst/>
+  </dgm:styleLbl>
+  <dgm:styleLbl name="node2">
+    <dgm:fillClrLst>
+      <a:schemeClr val="accent3"/>
+    </dgm:fillClrLst>
+    <dgm:linClrLst meth="repeat">
+      <a:schemeClr val="lt1"/>
+    </dgm:linClrLst>
+    <dgm:effectClrLst/>
+    <dgm:txLinClrLst/>
+    <dgm:txFillClrLst/>
+    <dgm:txEffectClrLst/>
+  </dgm:styleLbl>
+  <dgm:styleLbl name="node3">
+    <dgm:fillClrLst>
+      <a:schemeClr val="accent4"/>
+    </dgm:fillClrLst>
+    <dgm:linClrLst meth="repeat">
+      <a:schemeClr val="lt1"/>
+    </dgm:linClrLst>
+    <dgm:effectClrLst/>
+    <dgm:txLinClrLst/>
+    <dgm:txFillClrLst/>
+    <dgm:txEffectClrLst/>
+  </dgm:styleLbl>
+  <dgm:styleLbl name="node4">
+    <dgm:fillClrLst>
+      <a:schemeClr val="accent5"/>
+    </dgm:fillClrLst>
+    <dgm:linClrLst meth="repeat">
+      <a:schemeClr val="lt1"/>
+    </dgm:linClrLst>
+    <dgm:effectClrLst/>
+    <dgm:txLinClrLst/>
+    <dgm:txFillClrLst/>
+    <dgm:txEffectClrLst/>
+  </dgm:styleLbl>
+  <dgm:styleLbl name="fgImgPlace1">
+    <dgm:fillClrLst>
+      <a:schemeClr val="accent2">
+        <a:tint val="50000"/>
+      </a:schemeClr>
+      <a:schemeClr val="accent3">
+        <a:tint val="50000"/>
+      </a:schemeClr>
+    </dgm:fillClrLst>
+    <dgm:linClrLst meth="repeat">
+      <a:schemeClr val="lt1"/>
+    </dgm:linClrLst>
+    <dgm:effectClrLst/>
+    <dgm:txLinClrLst/>
+    <dgm:txFillClrLst meth="repeat">
+      <a:schemeClr val="lt1"/>
+    </dgm:txFillClrLst>
+    <dgm:txEffectClrLst/>
+  </dgm:styleLbl>
+  <dgm:styleLbl name="alignImgPlace1">
+    <dgm:fillClrLst>
+      <a:schemeClr val="accent2">
+        <a:tint val="50000"/>
+      </a:schemeClr>
+      <a:schemeClr val="accent3">
+        <a:tint val="20000"/>
+      </a:schemeClr>
+    </dgm:fillClrLst>
+    <dgm:linClrLst meth="repeat">
+      <a:schemeClr val="lt1"/>
+    </dgm:linClrLst>
+    <dgm:effectClrLst/>
+    <dgm:txLinClrLst/>
+    <dgm:txFillClrLst meth="repeat">
+      <a:schemeClr val="lt1"/>
+    </dgm:txFillClrLst>
+    <dgm:txEffectClrLst/>
+  </dgm:styleLbl>
+  <dgm:styleLbl name="bgImgPlace1">
+    <dgm:fillClrLst>
+      <a:schemeClr val="accent2">
+        <a:tint val="50000"/>
+      </a:schemeClr>
+      <a:schemeClr val="accent3">
+        <a:tint val="20000"/>
+      </a:schemeClr>
+    </dgm:fillClrLst>
+    <dgm:linClrLst meth="repeat">
+      <a:schemeClr val="lt1"/>
+    </dgm:linClrLst>
+    <dgm:effectClrLst/>
+    <dgm:txLinClrLst/>
+    <dgm:txFillClrLst meth="repeat">
+      <a:schemeClr val="lt1"/>
+    </dgm:txFillClrLst>
+    <dgm:txEffectClrLst/>
+  </dgm:styleLbl>
+  <dgm:styleLbl name="sibTrans2D1">
+    <dgm:fillClrLst>
+      <a:schemeClr val="accent2"/>
+      <a:schemeClr val="accent3"/>
+    </dgm:fillClrLst>
+    <dgm:linClrLst meth="repeat">
+      <a:schemeClr val="lt1"/>
+    </dgm:linClrLst>
+    <dgm:effectClrLst/>
+    <dgm:txLinClrLst/>
+    <dgm:txFillClrLst/>
+    <dgm:txEffectClrLst/>
+  </dgm:styleLbl>
+  <dgm:styleLbl name="fgSibTrans2D1">
+    <dgm:fillClrLst>
+      <a:schemeClr val="accent2"/>
+      <a:schemeClr val="accent3"/>
+    </dgm:fillClrLst>
+    <dgm:linClrLst meth="repeat">
+      <a:schemeClr val="lt1"/>
+    </dgm:linClrLst>
+    <dgm:effectClrLst/>
+    <dgm:txLinClrLst/>
+    <dgm:txFillClrLst meth="repeat">
+      <a:schemeClr val="lt1"/>
+    </dgm:txFillClrLst>
+    <dgm:txEffectClrLst/>
+  </dgm:styleLbl>
+  <dgm:styleLbl name="bgSibTrans2D1">
+    <dgm:fillClrLst>
+      <a:schemeClr val="accent2"/>
+      <a:schemeClr val="accent3"/>
+    </dgm:fillClrLst>
+    <dgm:linClrLst meth="repeat">
+      <a:schemeClr val="lt1"/>
+    </dgm:linClrLst>
+    <dgm:effectClrLst/>
+    <dgm:txLinClrLst/>
+    <dgm:txFillClrLst meth="repeat">
+      <a:schemeClr val="lt1"/>
+    </dgm:txFillClrLst>
+    <dgm:txEffectClrLst/>
+  </dgm:styleLbl>
+  <dgm:styleLbl name="sibTrans1D1">
+    <dgm:fillClrLst/>
+    <dgm:linClrLst>
+      <a:schemeClr val="accent2"/>
+      <a:schemeClr val="accent3"/>
+    </dgm:linClrLst>
+    <dgm:effectClrLst/>
+    <dgm:txLinClrLst/>
+    <dgm:txFillClrLst meth="repeat">
+      <a:schemeClr val="tx1"/>
+    </dgm:txFillClrLst>
+    <dgm:txEffectClrLst/>
+  </dgm:styleLbl>
+  <dgm:styleLbl name="callout">
+    <dgm:fillClrLst meth="repeat">
+      <a:schemeClr val="accent2"/>
+    </dgm:fillClrLst>
+    <dgm:linClrLst meth="repeat">
+      <a:schemeClr val="accent2">
+        <a:tint val="50000"/>
+      </a:schemeClr>
+    </dgm:linClrLst>
+    <dgm:effectClrLst/>
+    <dgm:txLinClrLst/>
+    <dgm:txFillClrLst meth="repeat">
+      <a:schemeClr val="tx1"/>
+    </dgm:txFillClrLst>
+    <dgm:txEffectClrLst/>
+  </dgm:styleLbl>
+  <dgm:styleLbl name="asst0">
+    <dgm:fillClrLst meth="repeat">
+      <a:schemeClr val="accent2"/>
+    </dgm:fillClrLst>
+    <dgm:linClrLst meth="repeat">
+      <a:schemeClr val="lt1">
+        <a:shade val="80000"/>
+      </a:schemeClr>
+    </dgm:linClrLst>
+    <dgm:effectClrLst/>
+    <dgm:txLinClrLst/>
+    <dgm:txFillClrLst/>
+    <dgm:txEffectClrLst/>
+  </dgm:styleLbl>
+  <dgm:styleLbl name="asst1">
+    <dgm:fillClrLst meth="repeat">
+      <a:schemeClr val="accent3"/>
+    </dgm:fillClrLst>
+    <dgm:linClrLst meth="repeat">
+      <a:schemeClr val="lt1">
+        <a:shade val="80000"/>
+      </a:schemeClr>
+    </dgm:linClrLst>
+    <dgm:effectClrLst/>
+    <dgm:txLinClrLst/>
+    <dgm:txFillClrLst/>
+    <dgm:txEffectClrLst/>
+  </dgm:styleLbl>
+  <dgm:styleLbl name="asst2">
+    <dgm:fillClrLst>
+      <a:schemeClr val="accent4"/>
+    </dgm:fillClrLst>
+    <dgm:linClrLst meth="repeat">
+      <a:schemeClr val="lt1"/>
+    </dgm:linClrLst>
+    <dgm:effectClrLst/>
+    <dgm:txLinClrLst/>
+    <dgm:txFillClrLst/>
+    <dgm:txEffectClrLst/>
+  </dgm:styleLbl>
+  <dgm:styleLbl name="asst3">
+    <dgm:fillClrLst>
+      <a:schemeClr val="accent5"/>
+    </dgm:fillClrLst>
+    <dgm:linClrLst meth="repeat">
+      <a:schemeClr val="lt1"/>
+    </dgm:linClrLst>
+    <dgm:effectClrLst/>
+    <dgm:txLinClrLst/>
+    <dgm:txFillClrLst/>
+    <dgm:txEffectClrLst/>
+  </dgm:styleLbl>
+  <dgm:styleLbl name="asst4">
+    <dgm:fillClrLst>
+      <a:schemeClr val="accent6"/>
+    </dgm:fillClrLst>
+    <dgm:linClrLst meth="repeat">
+      <a:schemeClr val="lt1"/>
+    </dgm:linClrLst>
+    <dgm:effectClrLst/>
+    <dgm:txLinClrLst/>
+    <dgm:txFillClrLst/>
+    <dgm:txEffectClrLst/>
+  </dgm:styleLbl>
+  <dgm:styleLbl name="parChTrans2D1">
+    <dgm:fillClrLst meth="repeat">
+      <a:schemeClr val="accent2"/>
+    </dgm:fillClrLst>
+    <dgm:linClrLst meth="repeat">
+      <a:schemeClr val="lt1"/>
+    </dgm:linClrLst>
+    <dgm:effectClrLst/>
+    <dgm:txLinClrLst/>
+    <dgm:txFillClrLst meth="repeat">
+      <a:schemeClr val="lt1"/>
+    </dgm:txFillClrLst>
+    <dgm:txEffectClrLst/>
+  </dgm:styleLbl>
+  <dgm:styleLbl name="parChTrans2D2">
+    <dgm:fillClrLst meth="repeat">
+      <a:schemeClr val="accent3"/>
+    </dgm:fillClrLst>
+    <dgm:linClrLst meth="repeat">
+      <a:schemeClr val="lt1"/>
+    </dgm:linClrLst>
+    <dgm:effectClrLst/>
+    <dgm:txLinClrLst/>
+    <dgm:txFillClrLst/>
+    <dgm:txEffectClrLst/>
+  </dgm:styleLbl>
+  <dgm:styleLbl name="parChTrans2D3">
+    <dgm:fillClrLst meth="repeat">
+      <a:schemeClr val="accent4"/>
+    </dgm:fillClrLst>
+    <dgm:linClrLst meth="repeat">
+      <a:schemeClr val="lt1"/>
+    </dgm:linClrLst>
+    <dgm:effectClrLst/>
+    <dgm:txLinClrLst/>
+    <dgm:txFillClrLst/>
+    <dgm:txEffectClrLst/>
+  </dgm:styleLbl>
+  <dgm:styleLbl name="parChTrans2D4">
+    <dgm:fillClrLst meth="repeat">
+      <a:schemeClr val="accent5"/>
+    </dgm:fillClrLst>
+    <dgm:linClrLst meth="repeat">
+      <a:schemeClr val="lt1"/>
+    </dgm:linClrLst>
+    <dgm:effectClrLst/>
+    <dgm:txLinClrLst/>
+    <dgm:txFillClrLst meth="repeat">
+      <a:schemeClr val="lt1"/>
+    </dgm:txFillClrLst>
+    <dgm:txEffectClrLst/>
+  </dgm:styleLbl>
+  <dgm:styleLbl name="parChTrans1D1">
+    <dgm:fillClrLst meth="repeat">
+      <a:schemeClr val="accent2"/>
+    </dgm:fillClrLst>
+    <dgm:linClrLst meth="repeat">
+      <a:schemeClr val="accent2"/>
+    </dgm:linClrLst>
+    <dgm:effectClrLst/>
+    <dgm:txLinClrLst/>
+    <dgm:txFillClrLst meth="repeat">
+      <a:schemeClr val="tx1"/>
+    </dgm:txFillClrLst>
+    <dgm:txEffectClrLst/>
+  </dgm:styleLbl>
+  <dgm:styleLbl name="parChTrans1D2">
+    <dgm:fillClrLst meth="repeat">
+      <a:schemeClr val="accent2">
+        <a:tint val="90000"/>
+      </a:schemeClr>
+    </dgm:fillClrLst>
+    <dgm:linClrLst meth="repeat">
+      <a:schemeClr val="accent3"/>
+    </dgm:linClrLst>
+    <dgm:effectClrLst/>
+    <dgm:txLinClrLst/>
+    <dgm:txFillClrLst meth="repeat">
+      <a:schemeClr val="tx1"/>
+    </dgm:txFillClrLst>
+    <dgm:txEffectClrLst/>
+  </dgm:styleLbl>
+  <dgm:styleLbl name="parChTrans1D3">
+    <dgm:fillClrLst meth="repeat">
+      <a:schemeClr val="accent2">
+        <a:tint val="70000"/>
+      </a:schemeClr>
+    </dgm:fillClrLst>
+    <dgm:linClrLst meth="repeat">
+      <a:schemeClr val="accent4"/>
+    </dgm:linClrLst>
+    <dgm:effectClrLst/>
+    <dgm:txLinClrLst/>
+    <dgm:txFillClrLst meth="repeat">
+      <a:schemeClr val="tx1"/>
+    </dgm:txFillClrLst>
+    <dgm:txEffectClrLst/>
+  </dgm:styleLbl>
+  <dgm:styleLbl name="parChTrans1D4">
+    <dgm:fillClrLst meth="repeat">
+      <a:schemeClr val="accent2">
+        <a:tint val="50000"/>
+      </a:schemeClr>
+    </dgm:fillClrLst>
+    <dgm:linClrLst meth="repeat">
+      <a:schemeClr val="accent5"/>
+    </dgm:linClrLst>
+    <dgm:effectClrLst/>
+    <dgm:txLinClrLst/>
+    <dgm:txFillClrLst meth="repeat">
+      <a:schemeClr val="tx1"/>
+    </dgm:txFillClrLst>
+    <dgm:txEffectClrLst/>
+  </dgm:styleLbl>
+  <dgm:styleLbl name="fgAcc1">
+    <dgm:fillClrLst meth="repeat">
+      <a:schemeClr val="lt1">
+        <a:alpha val="90000"/>
+      </a:schemeClr>
+    </dgm:fillClrLst>
+    <dgm:linClrLst>
+      <a:schemeClr val="accent2"/>
+      <a:schemeClr val="accent3"/>
+    </dgm:linClrLst>
+    <dgm:effectClrLst/>
+    <dgm:txLinClrLst/>
+    <dgm:txFillClrLst meth="repeat">
+      <a:schemeClr val="dk1"/>
+    </dgm:txFillClrLst>
+    <dgm:txEffectClrLst/>
+  </dgm:styleLbl>
+  <dgm:styleLbl name="conFgAcc1">
+    <dgm:fillClrLst meth="repeat">
+      <a:schemeClr val="lt1">
+        <a:alpha val="90000"/>
+      </a:schemeClr>
+    </dgm:fillClrLst>
+    <dgm:linClrLst>
+      <a:schemeClr val="accent2"/>
+      <a:schemeClr val="accent3"/>
+    </dgm:linClrLst>
+    <dgm:effectClrLst/>
+    <dgm:txLinClrLst/>
+    <dgm:txFillClrLst meth="repeat">
+      <a:schemeClr val="dk1"/>
+    </dgm:txFillClrLst>
+    <dgm:txEffectClrLst/>
+  </dgm:styleLbl>
+  <dgm:styleLbl name="alignAcc1">
+    <dgm:fillClrLst meth="repeat">
+      <a:schemeClr val="lt1">
+        <a:alpha val="90000"/>
+      </a:schemeClr>
+    </dgm:fillClrLst>
+    <dgm:linClrLst>
+      <a:schemeClr val="accent2"/>
+      <a:schemeClr val="accent3"/>
+    </dgm:linClrLst>
+    <dgm:effectClrLst/>
+    <dgm:txLinClrLst/>
+    <dgm:txFillClrLst meth="repeat">
+      <a:schemeClr val="dk1"/>
+    </dgm:txFillClrLst>
+    <dgm:txEffectClrLst/>
+  </dgm:styleLbl>
+  <dgm:styleLbl name="trAlignAcc1">
+    <dgm:fillClrLst meth="repeat">
+      <a:schemeClr val="lt1">
+        <a:alpha val="40000"/>
+      </a:schemeClr>
+    </dgm:fillClrLst>
+    <dgm:linClrLst meth="repeat">
+      <a:schemeClr val="accent2"/>
+    </dgm:linClrLst>
+    <dgm:effectClrLst/>
+    <dgm:txLinClrLst/>
+    <dgm:txFillClrLst meth="repeat">
+      <a:schemeClr val="dk1"/>
+    </dgm:txFillClrLst>
+    <dgm:txEffectClrLst/>
+  </dgm:styleLbl>
+  <dgm:styleLbl name="bgAcc1">
+    <dgm:fillClrLst meth="repeat">
+      <a:schemeClr val="lt1">
+        <a:alpha val="90000"/>
+      </a:schemeClr>
+    </dgm:fillClrLst>
+    <dgm:linClrLst>
+      <a:schemeClr val="accent2"/>
+      <a:schemeClr val="accent3"/>
+    </dgm:linClrLst>
+    <dgm:effectClrLst/>
+    <dgm:txLinClrLst/>
+    <dgm:txFillClrLst meth="repeat">
+      <a:schemeClr val="dk1"/>
+    </dgm:txFillClrLst>
+    <dgm:txEffectClrLst/>
+  </dgm:styleLbl>
+  <dgm:styleLbl name="solidFgAcc1">
+    <dgm:fillClrLst meth="repeat">
+      <a:schemeClr val="lt1"/>
+    </dgm:fillClrLst>
+    <dgm:linClrLst>
+      <a:schemeClr val="accent2"/>
+      <a:schemeClr val="accent3"/>
+    </dgm:linClrLst>
+    <dgm:effectClrLst/>
+    <dgm:txLinClrLst/>
+    <dgm:txFillClrLst meth="repeat">
+      <a:schemeClr val="dk1"/>
+    </dgm:txFillClrLst>
+    <dgm:txEffectClrLst/>
+  </dgm:styleLbl>
+  <dgm:styleLbl name="solidAlignAcc1">
+    <dgm:fillClrLst meth="repeat">
+      <a:schemeClr val="lt1"/>
+    </dgm:fillClrLst>
+    <dgm:linClrLst>
+      <a:schemeClr val="accent2"/>
+      <a:schemeClr val="accent3"/>
+    </dgm:linClrLst>
+    <dgm:effectClrLst/>
+    <dgm:txLinClrLst/>
+    <dgm:txFillClrLst meth="repeat">
+      <a:schemeClr val="dk1"/>
+    </dgm:txFillClrLst>
+    <dgm:txEffectClrLst/>
+  </dgm:styleLbl>
+  <dgm:styleLbl name="solidBgAcc1">
+    <dgm:fillClrLst meth="repeat">
+      <a:schemeClr val="lt1"/>
+    </dgm:fillClrLst>
+    <dgm:linClrLst>
+      <a:schemeClr val="accent2"/>
+      <a:schemeClr val="accent3"/>
+    </dgm:linClrLst>
+    <dgm:effectClrLst/>
+    <dgm:txLinClrLst/>
+    <dgm:txFillClrLst meth="repeat">
+      <a:schemeClr val="dk1"/>
+    </dgm:txFillClrLst>
+    <dgm:txEffectClrLst/>
+  </dgm:styleLbl>
+  <dgm:styleLbl name="fgAccFollowNode1">
+    <dgm:fillClrLst>
+      <a:schemeClr val="accent2">
+        <a:tint val="40000"/>
+        <a:alpha val="90000"/>
+      </a:schemeClr>
+      <a:schemeClr val="accent3">
+        <a:tint val="40000"/>
+        <a:alpha val="90000"/>
+      </a:schemeClr>
+    </dgm:fillClrLst>
+    <dgm:linClrLst>
+      <a:schemeClr val="accent2">
+        <a:tint val="40000"/>
+        <a:alpha val="90000"/>
+      </a:schemeClr>
+      <a:schemeClr val="accent3">
+        <a:tint val="40000"/>
+        <a:alpha val="90000"/>
+      </a:schemeClr>
+    </dgm:linClrLst>
+    <dgm:effectClrLst/>
+    <dgm:txLinClrLst/>
+    <dgm:txFillClrLst meth="repeat">
+      <a:schemeClr val="dk1"/>
+    </dgm:txFillClrLst>
+    <dgm:txEffectClrLst/>
+  </dgm:styleLbl>
+  <dgm:styleLbl name="alignAccFollowNode1">
+    <dgm:fillClrLst>
+      <a:schemeClr val="accent2">
+        <a:tint val="40000"/>
+        <a:alpha val="90000"/>
+      </a:schemeClr>
+      <a:schemeClr val="accent3">
+        <a:tint val="40000"/>
+        <a:alpha val="90000"/>
+      </a:schemeClr>
+    </dgm:fillClrLst>
+    <dgm:linClrLst>
+      <a:schemeClr val="accent2">
+        <a:tint val="40000"/>
+        <a:alpha val="90000"/>
+      </a:schemeClr>
+      <a:schemeClr val="accent3">
+        <a:tint val="40000"/>
+        <a:alpha val="90000"/>
+      </a:schemeClr>
+    </dgm:linClrLst>
+    <dgm:effectClrLst/>
+    <dgm:txLinClrLst/>
+    <dgm:txFillClrLst meth="repeat">
+      <a:schemeClr val="dk1"/>
+    </dgm:txFillClrLst>
+    <dgm:txEffectClrLst/>
+  </dgm:styleLbl>
+  <dgm:styleLbl name="bgAccFollowNode1">
+    <dgm:fillClrLst>
+      <a:schemeClr val="accent2">
+        <a:tint val="40000"/>
+        <a:alpha val="90000"/>
+      </a:schemeClr>
+      <a:schemeClr val="accent3">
+        <a:tint val="40000"/>
+        <a:alpha val="90000"/>
+      </a:schemeClr>
+    </dgm:fillClrLst>
+    <dgm:linClrLst>
+      <a:schemeClr val="accent2">
+        <a:tint val="40000"/>
+        <a:alpha val="90000"/>
+      </a:schemeClr>
+      <a:schemeClr val="accent3">
+        <a:tint val="40000"/>
+        <a:alpha val="90000"/>
+      </a:schemeClr>
+    </dgm:linClrLst>
+    <dgm:effectClrLst/>
+    <dgm:txLinClrLst/>
+    <dgm:txFillClrLst meth="repeat">
+      <a:schemeClr val="dk1"/>
+    </dgm:txFillClrLst>
+    <dgm:txEffectClrLst/>
+  </dgm:styleLbl>
+  <dgm:styleLbl name="fgAcc0">
+    <dgm:fillClrLst meth="repeat">
+      <a:schemeClr val="lt1">
+        <a:alpha val="90000"/>
+      </a:schemeClr>
+    </dgm:fillClrLst>
+    <dgm:linClrLst>
+      <a:schemeClr val="accent1"/>
+    </dgm:linClrLst>
+    <dgm:effectClrLst/>
+    <dgm:txLinClrLst/>
+    <dgm:txFillClrLst meth="repeat">
+      <a:schemeClr val="dk1"/>
+    </dgm:txFillClrLst>
+    <dgm:txEffectClrLst/>
+  </dgm:styleLbl>
+  <dgm:styleLbl name="fgAcc2">
+    <dgm:fillClrLst meth="repeat">
+      <a:schemeClr val="lt1">
+        <a:alpha val="90000"/>
+      </a:schemeClr>
+    </dgm:fillClrLst>
+    <dgm:linClrLst>
+      <a:schemeClr val="accent3"/>
+    </dgm:linClrLst>
+    <dgm:effectClrLst/>
+    <dgm:txLinClrLst/>
+    <dgm:txFillClrLst meth="repeat">
+      <a:schemeClr val="dk1"/>
+    </dgm:txFillClrLst>
+    <dgm:txEffectClrLst/>
+  </dgm:styleLbl>
+  <dgm:styleLbl name="fgAcc3">
+    <dgm:fillClrLst meth="repeat">
+      <a:schemeClr val="lt1">
+        <a:alpha val="90000"/>
+      </a:schemeClr>
+    </dgm:fillClrLst>
+    <dgm:linClrLst>
+      <a:schemeClr val="accent4"/>
+    </dgm:linClrLst>
+    <dgm:effectClrLst/>
+    <dgm:txLinClrLst/>
+    <dgm:txFillClrLst meth="repeat">
+      <a:schemeClr val="dk1"/>
+    </dgm:txFillClrLst>
+    <dgm:txEffectClrLst/>
+  </dgm:styleLbl>
+  <dgm:styleLbl name="fgAcc4">
+    <dgm:fillClrLst meth="repeat">
+      <a:schemeClr val="lt1">
+        <a:alpha val="90000"/>
+      </a:schemeClr>
+    </dgm:fillClrLst>
+    <dgm:linClrLst>
+      <a:schemeClr val="accent5"/>
+    </dgm:linClrLst>
+    <dgm:effectClrLst/>
+    <dgm:txLinClrLst/>
+    <dgm:txFillClrLst meth="repeat">
+      <a:schemeClr val="dk1"/>
+    </dgm:txFillClrLst>
+    <dgm:txEffectClrLst/>
+  </dgm:styleLbl>
+  <dgm:styleLbl name="bgShp">
+    <dgm:fillClrLst meth="repeat">
+      <a:schemeClr val="accent2">
+        <a:tint val="40000"/>
+      </a:schemeClr>
+    </dgm:fillClrLst>
+    <dgm:linClrLst meth="repeat">
+      <a:schemeClr val="dk1"/>
+    </dgm:linClrLst>
+    <dgm:effectClrLst/>
+    <dgm:txLinClrLst/>
+    <dgm:txFillClrLst meth="repeat">
+      <a:schemeClr val="dk1"/>
+    </dgm:txFillClrLst>
+    <dgm:txEffectClrLst/>
+  </dgm:styleLbl>
+  <dgm:styleLbl name="dkBgShp">
+    <dgm:fillClrLst meth="repeat">
+      <a:schemeClr val="accent2">
+        <a:shade val="90000"/>
+      </a:schemeClr>
+    </dgm:fillClrLst>
+    <dgm:linClrLst meth="repeat">
+      <a:schemeClr val="dk1"/>
+    </dgm:linClrLst>
+    <dgm:effectClrLst/>
+    <dgm:txLinClrLst/>
+    <dgm:txFillClrLst meth="repeat">
+      <a:schemeClr val="lt1"/>
+    </dgm:txFillClrLst>
+    <dgm:txEffectClrLst/>
+  </dgm:styleLbl>
+  <dgm:styleLbl name="trBgShp">
+    <dgm:fillClrLst meth="repeat">
+      <a:schemeClr val="accent2">
         <a:tint val="50000"/>
         <a:alpha val="40000"/>
       </a:schemeClr>
@@ -1250,6 +2041,339 @@
     <dgm:cxn modelId="{0673E0BA-4522-404A-B6DA-8BA91810F051}" type="presParOf" srcId="{F0944E5C-21CA-4EE6-ADF0-F7D47233EB29}" destId="{5B37C854-269C-4C03-80A2-324434948F0B}" srcOrd="1" destOrd="0" presId="urn:microsoft.com/office/officeart/2018/2/layout/IconVerticalSolidList"/>
     <dgm:cxn modelId="{D412688A-D318-4BB6-A169-0D2B194105D9}" type="presParOf" srcId="{F0944E5C-21CA-4EE6-ADF0-F7D47233EB29}" destId="{13471277-05B5-4673-9A50-6BEA3E8A2AC3}" srcOrd="2" destOrd="0" presId="urn:microsoft.com/office/officeart/2018/2/layout/IconVerticalSolidList"/>
     <dgm:cxn modelId="{AEEC50CE-A39C-47CE-93A0-0671CEFC13D7}" type="presParOf" srcId="{F0944E5C-21CA-4EE6-ADF0-F7D47233EB29}" destId="{4D5FD5D4-9C6E-4421-BAD1-B06B7CB3B0A3}" srcOrd="3" destOrd="0" presId="urn:microsoft.com/office/officeart/2018/2/layout/IconVerticalSolidList"/>
+  </dgm:cxnLst>
+  <dgm:bg/>
+  <dgm:whole/>
+  <dgm:extLst>
+    <a:ext uri="http://schemas.microsoft.com/office/drawing/2008/diagram">
+      <dsp:dataModelExt xmlns:dsp="http://schemas.microsoft.com/office/drawing/2008/diagram" relId="rId6" minVer="http://schemas.openxmlformats.org/drawingml/2006/diagram"/>
+    </a:ext>
+  </dgm:extLst>
+</dgm:dataModel>
+</file>
+
+<file path=ppt/diagrams/data2.xml><?xml version="1.0" encoding="utf-8"?>
+<dgm:dataModel xmlns:dgm="http://schemas.openxmlformats.org/drawingml/2006/diagram" xmlns:a="http://schemas.openxmlformats.org/drawingml/2006/main">
+  <dgm:ptLst>
+    <dgm:pt modelId="{BC7FED9B-4DBE-4564-9D52-302E3CE86F29}" type="doc">
+      <dgm:prSet loTypeId="urn:microsoft.com/office/officeart/2008/layout/LinedList" loCatId="list" qsTypeId="urn:microsoft.com/office/officeart/2005/8/quickstyle/simple1" qsCatId="simple" csTypeId="urn:microsoft.com/office/officeart/2005/8/colors/colorful2" csCatId="colorful"/>
+      <dgm:spPr/>
+      <dgm:t>
+        <a:bodyPr/>
+        <a:lstStyle/>
+        <a:p>
+          <a:endParaRPr lang="en-US"/>
+        </a:p>
+      </dgm:t>
+    </dgm:pt>
+    <dgm:pt modelId="{C0B221B0-693D-4EC4-9EBB-8C59856C968C}">
+      <dgm:prSet/>
+      <dgm:spPr/>
+      <dgm:t>
+        <a:bodyPr/>
+        <a:lstStyle/>
+        <a:p>
+          <a:r>
+            <a:rPr lang="en-US" baseline="0"/>
+            <a:t>In an industrial situation, there are several constraints to consider :</a:t>
+          </a:r>
+          <a:endParaRPr lang="en-US"/>
+        </a:p>
+      </dgm:t>
+    </dgm:pt>
+    <dgm:pt modelId="{AAA9679D-2980-4AAB-81D6-7B3D5415C4C4}" type="parTrans" cxnId="{88D19F26-CC91-4103-AA53-0100D2915738}">
+      <dgm:prSet/>
+      <dgm:spPr/>
+      <dgm:t>
+        <a:bodyPr/>
+        <a:lstStyle/>
+        <a:p>
+          <a:endParaRPr lang="en-US"/>
+        </a:p>
+      </dgm:t>
+    </dgm:pt>
+    <dgm:pt modelId="{179D7156-84F3-41B6-BA2F-4D9E7AA0D6C6}" type="sibTrans" cxnId="{88D19F26-CC91-4103-AA53-0100D2915738}">
+      <dgm:prSet/>
+      <dgm:spPr/>
+      <dgm:t>
+        <a:bodyPr/>
+        <a:lstStyle/>
+        <a:p>
+          <a:endParaRPr lang="en-US"/>
+        </a:p>
+      </dgm:t>
+    </dgm:pt>
+    <dgm:pt modelId="{8BE19B1F-335C-48CE-95F5-0BA73C795A10}">
+      <dgm:prSet/>
+      <dgm:spPr/>
+      <dgm:t>
+        <a:bodyPr/>
+        <a:lstStyle/>
+        <a:p>
+          <a:r>
+            <a:rPr lang="fr-FR" baseline="0"/>
+            <a:t>Gasoline ; </a:t>
+          </a:r>
+          <a:endParaRPr lang="en-US"/>
+        </a:p>
+      </dgm:t>
+    </dgm:pt>
+    <dgm:pt modelId="{F63AC9B1-CFAA-4674-B222-C48B22ED22B0}" type="parTrans" cxnId="{9C976880-E1A8-4682-985C-AF6FA7E4A4EE}">
+      <dgm:prSet/>
+      <dgm:spPr/>
+      <dgm:t>
+        <a:bodyPr/>
+        <a:lstStyle/>
+        <a:p>
+          <a:endParaRPr lang="en-US"/>
+        </a:p>
+      </dgm:t>
+    </dgm:pt>
+    <dgm:pt modelId="{19E21D30-047C-4AD5-B13D-B40936FDE82F}" type="sibTrans" cxnId="{9C976880-E1A8-4682-985C-AF6FA7E4A4EE}">
+      <dgm:prSet/>
+      <dgm:spPr/>
+      <dgm:t>
+        <a:bodyPr/>
+        <a:lstStyle/>
+        <a:p>
+          <a:endParaRPr lang="en-US"/>
+        </a:p>
+      </dgm:t>
+    </dgm:pt>
+    <dgm:pt modelId="{41E5E2BF-D5A4-4D32-B26D-C3450F963658}">
+      <dgm:prSet/>
+      <dgm:spPr/>
+      <dgm:t>
+        <a:bodyPr/>
+        <a:lstStyle/>
+        <a:p>
+          <a:r>
+            <a:rPr lang="fr-FR" baseline="0"/>
+            <a:t>Employees schedules ;</a:t>
+          </a:r>
+          <a:endParaRPr lang="en-US"/>
+        </a:p>
+      </dgm:t>
+    </dgm:pt>
+    <dgm:pt modelId="{51011CB6-DB53-4482-B015-7DD801D57F41}" type="parTrans" cxnId="{3DA9A15D-645B-44AD-B9C8-549A75C7AD4E}">
+      <dgm:prSet/>
+      <dgm:spPr/>
+      <dgm:t>
+        <a:bodyPr/>
+        <a:lstStyle/>
+        <a:p>
+          <a:endParaRPr lang="en-US"/>
+        </a:p>
+      </dgm:t>
+    </dgm:pt>
+    <dgm:pt modelId="{9C9F59FF-DC38-4266-9BFE-2C214046C5A8}" type="sibTrans" cxnId="{3DA9A15D-645B-44AD-B9C8-549A75C7AD4E}">
+      <dgm:prSet/>
+      <dgm:spPr/>
+      <dgm:t>
+        <a:bodyPr/>
+        <a:lstStyle/>
+        <a:p>
+          <a:endParaRPr lang="en-US"/>
+        </a:p>
+      </dgm:t>
+    </dgm:pt>
+    <dgm:pt modelId="{3F1C86A8-DE32-42C0-B775-1C1D7ADB480A}">
+      <dgm:prSet/>
+      <dgm:spPr/>
+      <dgm:t>
+        <a:bodyPr/>
+        <a:lstStyle/>
+        <a:p>
+          <a:r>
+            <a:rPr lang="fr-FR" baseline="0"/>
+            <a:t>Real traffic ;</a:t>
+          </a:r>
+          <a:endParaRPr lang="en-US"/>
+        </a:p>
+      </dgm:t>
+    </dgm:pt>
+    <dgm:pt modelId="{4AAF4CFA-8A1C-43AE-ACA4-9E600BEBDBFD}" type="parTrans" cxnId="{5AF6F20D-E957-422E-B0EA-8773A59DABCA}">
+      <dgm:prSet/>
+      <dgm:spPr/>
+      <dgm:t>
+        <a:bodyPr/>
+        <a:lstStyle/>
+        <a:p>
+          <a:endParaRPr lang="en-US"/>
+        </a:p>
+      </dgm:t>
+    </dgm:pt>
+    <dgm:pt modelId="{C6F9B9F2-A3F0-4026-90B7-F66A7AFDCDC3}" type="sibTrans" cxnId="{5AF6F20D-E957-422E-B0EA-8773A59DABCA}">
+      <dgm:prSet/>
+      <dgm:spPr/>
+      <dgm:t>
+        <a:bodyPr/>
+        <a:lstStyle/>
+        <a:p>
+          <a:endParaRPr lang="en-US"/>
+        </a:p>
+      </dgm:t>
+    </dgm:pt>
+    <dgm:pt modelId="{F95CFA58-12D0-4643-A943-550203DAFEB9}">
+      <dgm:prSet/>
+      <dgm:spPr/>
+      <dgm:t>
+        <a:bodyPr/>
+        <a:lstStyle/>
+        <a:p>
+          <a:r>
+            <a:rPr lang="fr-FR" baseline="0"/>
+            <a:t>The danger encountered in the road.</a:t>
+          </a:r>
+          <a:endParaRPr lang="en-US"/>
+        </a:p>
+      </dgm:t>
+    </dgm:pt>
+    <dgm:pt modelId="{3EDCB854-1A6D-447D-A5F6-CBBC3118B689}" type="parTrans" cxnId="{0B9F4569-4068-4F71-B031-6CA358F6416A}">
+      <dgm:prSet/>
+      <dgm:spPr/>
+      <dgm:t>
+        <a:bodyPr/>
+        <a:lstStyle/>
+        <a:p>
+          <a:endParaRPr lang="en-US"/>
+        </a:p>
+      </dgm:t>
+    </dgm:pt>
+    <dgm:pt modelId="{F5E4AE76-9656-4641-94CD-F8914C3CD1CB}" type="sibTrans" cxnId="{0B9F4569-4068-4F71-B031-6CA358F6416A}">
+      <dgm:prSet/>
+      <dgm:spPr/>
+      <dgm:t>
+        <a:bodyPr/>
+        <a:lstStyle/>
+        <a:p>
+          <a:endParaRPr lang="en-US"/>
+        </a:p>
+      </dgm:t>
+    </dgm:pt>
+    <dgm:pt modelId="{7C72734F-169B-4A43-A7DC-D7BFC67433FA}" type="pres">
+      <dgm:prSet presAssocID="{BC7FED9B-4DBE-4564-9D52-302E3CE86F29}" presName="vert0" presStyleCnt="0">
+        <dgm:presLayoutVars>
+          <dgm:dir/>
+          <dgm:animOne val="branch"/>
+          <dgm:animLvl val="lvl"/>
+        </dgm:presLayoutVars>
+      </dgm:prSet>
+      <dgm:spPr/>
+    </dgm:pt>
+    <dgm:pt modelId="{B69E852B-4D56-40AA-84BA-7BE28C5C077D}" type="pres">
+      <dgm:prSet presAssocID="{C0B221B0-693D-4EC4-9EBB-8C59856C968C}" presName="thickLine" presStyleLbl="alignNode1" presStyleIdx="0" presStyleCnt="5"/>
+      <dgm:spPr/>
+    </dgm:pt>
+    <dgm:pt modelId="{A5608DCC-2964-4E8D-9924-F9EA8080842C}" type="pres">
+      <dgm:prSet presAssocID="{C0B221B0-693D-4EC4-9EBB-8C59856C968C}" presName="horz1" presStyleCnt="0"/>
+      <dgm:spPr/>
+    </dgm:pt>
+    <dgm:pt modelId="{61CB5E8E-16B4-4CB5-8397-5E76B525A8BB}" type="pres">
+      <dgm:prSet presAssocID="{C0B221B0-693D-4EC4-9EBB-8C59856C968C}" presName="tx1" presStyleLbl="revTx" presStyleIdx="0" presStyleCnt="5"/>
+      <dgm:spPr/>
+    </dgm:pt>
+    <dgm:pt modelId="{2E9559E6-2F0E-4D82-A802-BF12716B7649}" type="pres">
+      <dgm:prSet presAssocID="{C0B221B0-693D-4EC4-9EBB-8C59856C968C}" presName="vert1" presStyleCnt="0"/>
+      <dgm:spPr/>
+    </dgm:pt>
+    <dgm:pt modelId="{0E3D6D05-A02C-4A4B-9E15-6BB78C73ECFE}" type="pres">
+      <dgm:prSet presAssocID="{8BE19B1F-335C-48CE-95F5-0BA73C795A10}" presName="thickLine" presStyleLbl="alignNode1" presStyleIdx="1" presStyleCnt="5"/>
+      <dgm:spPr/>
+    </dgm:pt>
+    <dgm:pt modelId="{4A62B6E1-403E-423A-AF73-E77CDE6866D9}" type="pres">
+      <dgm:prSet presAssocID="{8BE19B1F-335C-48CE-95F5-0BA73C795A10}" presName="horz1" presStyleCnt="0"/>
+      <dgm:spPr/>
+    </dgm:pt>
+    <dgm:pt modelId="{9B37B44A-E1F7-4599-8BAB-3681FE201081}" type="pres">
+      <dgm:prSet presAssocID="{8BE19B1F-335C-48CE-95F5-0BA73C795A10}" presName="tx1" presStyleLbl="revTx" presStyleIdx="1" presStyleCnt="5"/>
+      <dgm:spPr/>
+    </dgm:pt>
+    <dgm:pt modelId="{FE955A12-A432-41D9-B51B-7CEDAD972666}" type="pres">
+      <dgm:prSet presAssocID="{8BE19B1F-335C-48CE-95F5-0BA73C795A10}" presName="vert1" presStyleCnt="0"/>
+      <dgm:spPr/>
+    </dgm:pt>
+    <dgm:pt modelId="{C27436DD-2530-4175-B555-FB59F6962D16}" type="pres">
+      <dgm:prSet presAssocID="{41E5E2BF-D5A4-4D32-B26D-C3450F963658}" presName="thickLine" presStyleLbl="alignNode1" presStyleIdx="2" presStyleCnt="5"/>
+      <dgm:spPr/>
+    </dgm:pt>
+    <dgm:pt modelId="{61B1D821-A937-4530-B6D2-ACD3470C4A29}" type="pres">
+      <dgm:prSet presAssocID="{41E5E2BF-D5A4-4D32-B26D-C3450F963658}" presName="horz1" presStyleCnt="0"/>
+      <dgm:spPr/>
+    </dgm:pt>
+    <dgm:pt modelId="{6C6B5AAE-7F07-4ACC-B2B3-C5F7CCCD740B}" type="pres">
+      <dgm:prSet presAssocID="{41E5E2BF-D5A4-4D32-B26D-C3450F963658}" presName="tx1" presStyleLbl="revTx" presStyleIdx="2" presStyleCnt="5"/>
+      <dgm:spPr/>
+    </dgm:pt>
+    <dgm:pt modelId="{847BEECE-8AA9-433F-949A-1253855D2DCA}" type="pres">
+      <dgm:prSet presAssocID="{41E5E2BF-D5A4-4D32-B26D-C3450F963658}" presName="vert1" presStyleCnt="0"/>
+      <dgm:spPr/>
+    </dgm:pt>
+    <dgm:pt modelId="{5CBBBD2D-7C8C-478F-9F9E-BD193AA673A3}" type="pres">
+      <dgm:prSet presAssocID="{3F1C86A8-DE32-42C0-B775-1C1D7ADB480A}" presName="thickLine" presStyleLbl="alignNode1" presStyleIdx="3" presStyleCnt="5"/>
+      <dgm:spPr/>
+    </dgm:pt>
+    <dgm:pt modelId="{30BD153F-A59D-4D8E-A837-3D37CE5AAB78}" type="pres">
+      <dgm:prSet presAssocID="{3F1C86A8-DE32-42C0-B775-1C1D7ADB480A}" presName="horz1" presStyleCnt="0"/>
+      <dgm:spPr/>
+    </dgm:pt>
+    <dgm:pt modelId="{071A65B2-AD70-4219-809D-0550F3DC82EE}" type="pres">
+      <dgm:prSet presAssocID="{3F1C86A8-DE32-42C0-B775-1C1D7ADB480A}" presName="tx1" presStyleLbl="revTx" presStyleIdx="3" presStyleCnt="5"/>
+      <dgm:spPr/>
+    </dgm:pt>
+    <dgm:pt modelId="{F1EAFBDA-039E-4AD4-AD89-3F0E3E75B08C}" type="pres">
+      <dgm:prSet presAssocID="{3F1C86A8-DE32-42C0-B775-1C1D7ADB480A}" presName="vert1" presStyleCnt="0"/>
+      <dgm:spPr/>
+    </dgm:pt>
+    <dgm:pt modelId="{06BB677D-47E1-47B9-BBCA-CC12221D78B8}" type="pres">
+      <dgm:prSet presAssocID="{F95CFA58-12D0-4643-A943-550203DAFEB9}" presName="thickLine" presStyleLbl="alignNode1" presStyleIdx="4" presStyleCnt="5"/>
+      <dgm:spPr/>
+    </dgm:pt>
+    <dgm:pt modelId="{6F7432D8-C281-44A1-8E96-B7C8D769CCC9}" type="pres">
+      <dgm:prSet presAssocID="{F95CFA58-12D0-4643-A943-550203DAFEB9}" presName="horz1" presStyleCnt="0"/>
+      <dgm:spPr/>
+    </dgm:pt>
+    <dgm:pt modelId="{FC9ABB8A-00ED-4E98-91AA-FAED42468B72}" type="pres">
+      <dgm:prSet presAssocID="{F95CFA58-12D0-4643-A943-550203DAFEB9}" presName="tx1" presStyleLbl="revTx" presStyleIdx="4" presStyleCnt="5"/>
+      <dgm:spPr/>
+    </dgm:pt>
+    <dgm:pt modelId="{32FBA1F5-B603-468C-B207-FD952635256E}" type="pres">
+      <dgm:prSet presAssocID="{F95CFA58-12D0-4643-A943-550203DAFEB9}" presName="vert1" presStyleCnt="0"/>
+      <dgm:spPr/>
+    </dgm:pt>
+  </dgm:ptLst>
+  <dgm:cxnLst>
+    <dgm:cxn modelId="{5AF6F20D-E957-422E-B0EA-8773A59DABCA}" srcId="{BC7FED9B-4DBE-4564-9D52-302E3CE86F29}" destId="{3F1C86A8-DE32-42C0-B775-1C1D7ADB480A}" srcOrd="3" destOrd="0" parTransId="{4AAF4CFA-8A1C-43AE-ACA4-9E600BEBDBFD}" sibTransId="{C6F9B9F2-A3F0-4026-90B7-F66A7AFDCDC3}"/>
+    <dgm:cxn modelId="{E0D5F923-FCBE-49CF-9DE8-A2B049927E21}" type="presOf" srcId="{F95CFA58-12D0-4643-A943-550203DAFEB9}" destId="{FC9ABB8A-00ED-4E98-91AA-FAED42468B72}" srcOrd="0" destOrd="0" presId="urn:microsoft.com/office/officeart/2008/layout/LinedList"/>
+    <dgm:cxn modelId="{88D19F26-CC91-4103-AA53-0100D2915738}" srcId="{BC7FED9B-4DBE-4564-9D52-302E3CE86F29}" destId="{C0B221B0-693D-4EC4-9EBB-8C59856C968C}" srcOrd="0" destOrd="0" parTransId="{AAA9679D-2980-4AAB-81D6-7B3D5415C4C4}" sibTransId="{179D7156-84F3-41B6-BA2F-4D9E7AA0D6C6}"/>
+    <dgm:cxn modelId="{B6322934-2EAD-414B-8557-2DF993574704}" type="presOf" srcId="{C0B221B0-693D-4EC4-9EBB-8C59856C968C}" destId="{61CB5E8E-16B4-4CB5-8397-5E76B525A8BB}" srcOrd="0" destOrd="0" presId="urn:microsoft.com/office/officeart/2008/layout/LinedList"/>
+    <dgm:cxn modelId="{3DA9A15D-645B-44AD-B9C8-549A75C7AD4E}" srcId="{BC7FED9B-4DBE-4564-9D52-302E3CE86F29}" destId="{41E5E2BF-D5A4-4D32-B26D-C3450F963658}" srcOrd="2" destOrd="0" parTransId="{51011CB6-DB53-4482-B015-7DD801D57F41}" sibTransId="{9C9F59FF-DC38-4266-9BFE-2C214046C5A8}"/>
+    <dgm:cxn modelId="{0B9F4569-4068-4F71-B031-6CA358F6416A}" srcId="{BC7FED9B-4DBE-4564-9D52-302E3CE86F29}" destId="{F95CFA58-12D0-4643-A943-550203DAFEB9}" srcOrd="4" destOrd="0" parTransId="{3EDCB854-1A6D-447D-A5F6-CBBC3118B689}" sibTransId="{F5E4AE76-9656-4641-94CD-F8914C3CD1CB}"/>
+    <dgm:cxn modelId="{535D9B6C-E6DA-49CB-869A-89919CBB2DE7}" type="presOf" srcId="{3F1C86A8-DE32-42C0-B775-1C1D7ADB480A}" destId="{071A65B2-AD70-4219-809D-0550F3DC82EE}" srcOrd="0" destOrd="0" presId="urn:microsoft.com/office/officeart/2008/layout/LinedList"/>
+    <dgm:cxn modelId="{274FD575-3F86-4981-8439-8389B1928065}" type="presOf" srcId="{41E5E2BF-D5A4-4D32-B26D-C3450F963658}" destId="{6C6B5AAE-7F07-4ACC-B2B3-C5F7CCCD740B}" srcOrd="0" destOrd="0" presId="urn:microsoft.com/office/officeart/2008/layout/LinedList"/>
+    <dgm:cxn modelId="{9C976880-E1A8-4682-985C-AF6FA7E4A4EE}" srcId="{BC7FED9B-4DBE-4564-9D52-302E3CE86F29}" destId="{8BE19B1F-335C-48CE-95F5-0BA73C795A10}" srcOrd="1" destOrd="0" parTransId="{F63AC9B1-CFAA-4674-B222-C48B22ED22B0}" sibTransId="{19E21D30-047C-4AD5-B13D-B40936FDE82F}"/>
+    <dgm:cxn modelId="{2A0273B8-1939-493A-9340-4C9DC3DDE552}" type="presOf" srcId="{8BE19B1F-335C-48CE-95F5-0BA73C795A10}" destId="{9B37B44A-E1F7-4599-8BAB-3681FE201081}" srcOrd="0" destOrd="0" presId="urn:microsoft.com/office/officeart/2008/layout/LinedList"/>
+    <dgm:cxn modelId="{077B11C0-4F0E-4EB3-B42B-1CCBA1B72736}" type="presOf" srcId="{BC7FED9B-4DBE-4564-9D52-302E3CE86F29}" destId="{7C72734F-169B-4A43-A7DC-D7BFC67433FA}" srcOrd="0" destOrd="0" presId="urn:microsoft.com/office/officeart/2008/layout/LinedList"/>
+    <dgm:cxn modelId="{89C16F45-7A7F-42BD-BD3A-5072C069CF66}" type="presParOf" srcId="{7C72734F-169B-4A43-A7DC-D7BFC67433FA}" destId="{B69E852B-4D56-40AA-84BA-7BE28C5C077D}" srcOrd="0" destOrd="0" presId="urn:microsoft.com/office/officeart/2008/layout/LinedList"/>
+    <dgm:cxn modelId="{D500961D-EA69-4D2B-BFEF-38B6206FC388}" type="presParOf" srcId="{7C72734F-169B-4A43-A7DC-D7BFC67433FA}" destId="{A5608DCC-2964-4E8D-9924-F9EA8080842C}" srcOrd="1" destOrd="0" presId="urn:microsoft.com/office/officeart/2008/layout/LinedList"/>
+    <dgm:cxn modelId="{53486BE3-B4C5-4F03-A19F-714092C9722C}" type="presParOf" srcId="{A5608DCC-2964-4E8D-9924-F9EA8080842C}" destId="{61CB5E8E-16B4-4CB5-8397-5E76B525A8BB}" srcOrd="0" destOrd="0" presId="urn:microsoft.com/office/officeart/2008/layout/LinedList"/>
+    <dgm:cxn modelId="{9536DEFA-EE6B-460F-ABC9-889942E3FBCA}" type="presParOf" srcId="{A5608DCC-2964-4E8D-9924-F9EA8080842C}" destId="{2E9559E6-2F0E-4D82-A802-BF12716B7649}" srcOrd="1" destOrd="0" presId="urn:microsoft.com/office/officeart/2008/layout/LinedList"/>
+    <dgm:cxn modelId="{EE16540E-0456-45CD-90E9-941DB997A325}" type="presParOf" srcId="{7C72734F-169B-4A43-A7DC-D7BFC67433FA}" destId="{0E3D6D05-A02C-4A4B-9E15-6BB78C73ECFE}" srcOrd="2" destOrd="0" presId="urn:microsoft.com/office/officeart/2008/layout/LinedList"/>
+    <dgm:cxn modelId="{D3D8655B-2BF9-4651-8AF6-8068A7EDA150}" type="presParOf" srcId="{7C72734F-169B-4A43-A7DC-D7BFC67433FA}" destId="{4A62B6E1-403E-423A-AF73-E77CDE6866D9}" srcOrd="3" destOrd="0" presId="urn:microsoft.com/office/officeart/2008/layout/LinedList"/>
+    <dgm:cxn modelId="{B139755E-F8CB-4C6D-B22C-56A08DFEB93C}" type="presParOf" srcId="{4A62B6E1-403E-423A-AF73-E77CDE6866D9}" destId="{9B37B44A-E1F7-4599-8BAB-3681FE201081}" srcOrd="0" destOrd="0" presId="urn:microsoft.com/office/officeart/2008/layout/LinedList"/>
+    <dgm:cxn modelId="{DA005202-7496-4B9E-BF51-81A1DA2336C5}" type="presParOf" srcId="{4A62B6E1-403E-423A-AF73-E77CDE6866D9}" destId="{FE955A12-A432-41D9-B51B-7CEDAD972666}" srcOrd="1" destOrd="0" presId="urn:microsoft.com/office/officeart/2008/layout/LinedList"/>
+    <dgm:cxn modelId="{84B8BAB3-E878-4B2F-8B57-EDF62B5E2E0E}" type="presParOf" srcId="{7C72734F-169B-4A43-A7DC-D7BFC67433FA}" destId="{C27436DD-2530-4175-B555-FB59F6962D16}" srcOrd="4" destOrd="0" presId="urn:microsoft.com/office/officeart/2008/layout/LinedList"/>
+    <dgm:cxn modelId="{189E67CA-9596-48CE-A639-EC6513EB82A0}" type="presParOf" srcId="{7C72734F-169B-4A43-A7DC-D7BFC67433FA}" destId="{61B1D821-A937-4530-B6D2-ACD3470C4A29}" srcOrd="5" destOrd="0" presId="urn:microsoft.com/office/officeart/2008/layout/LinedList"/>
+    <dgm:cxn modelId="{8B5FD592-4232-46DE-9C6A-F850D1B00685}" type="presParOf" srcId="{61B1D821-A937-4530-B6D2-ACD3470C4A29}" destId="{6C6B5AAE-7F07-4ACC-B2B3-C5F7CCCD740B}" srcOrd="0" destOrd="0" presId="urn:microsoft.com/office/officeart/2008/layout/LinedList"/>
+    <dgm:cxn modelId="{1CF6A31F-3973-4DE9-915E-59E0673541A3}" type="presParOf" srcId="{61B1D821-A937-4530-B6D2-ACD3470C4A29}" destId="{847BEECE-8AA9-433F-949A-1253855D2DCA}" srcOrd="1" destOrd="0" presId="urn:microsoft.com/office/officeart/2008/layout/LinedList"/>
+    <dgm:cxn modelId="{919708D1-2432-4DD8-ACE3-79A72B4020E4}" type="presParOf" srcId="{7C72734F-169B-4A43-A7DC-D7BFC67433FA}" destId="{5CBBBD2D-7C8C-478F-9F9E-BD193AA673A3}" srcOrd="6" destOrd="0" presId="urn:microsoft.com/office/officeart/2008/layout/LinedList"/>
+    <dgm:cxn modelId="{5FC5ED75-BC43-41EA-A6FF-B43D5BAE5F8E}" type="presParOf" srcId="{7C72734F-169B-4A43-A7DC-D7BFC67433FA}" destId="{30BD153F-A59D-4D8E-A837-3D37CE5AAB78}" srcOrd="7" destOrd="0" presId="urn:microsoft.com/office/officeart/2008/layout/LinedList"/>
+    <dgm:cxn modelId="{7A89F3A8-F4C5-47A1-A450-C7A80362469D}" type="presParOf" srcId="{30BD153F-A59D-4D8E-A837-3D37CE5AAB78}" destId="{071A65B2-AD70-4219-809D-0550F3DC82EE}" srcOrd="0" destOrd="0" presId="urn:microsoft.com/office/officeart/2008/layout/LinedList"/>
+    <dgm:cxn modelId="{C1723C2B-68D6-4D19-BC57-E04B802B9F2E}" type="presParOf" srcId="{30BD153F-A59D-4D8E-A837-3D37CE5AAB78}" destId="{F1EAFBDA-039E-4AD4-AD89-3F0E3E75B08C}" srcOrd="1" destOrd="0" presId="urn:microsoft.com/office/officeart/2008/layout/LinedList"/>
+    <dgm:cxn modelId="{2A684CDD-51A6-4AE5-B0D3-78E166436076}" type="presParOf" srcId="{7C72734F-169B-4A43-A7DC-D7BFC67433FA}" destId="{06BB677D-47E1-47B9-BBCA-CC12221D78B8}" srcOrd="8" destOrd="0" presId="urn:microsoft.com/office/officeart/2008/layout/LinedList"/>
+    <dgm:cxn modelId="{CBC3B282-2B09-421C-93B9-B0870FB2FC0D}" type="presParOf" srcId="{7C72734F-169B-4A43-A7DC-D7BFC67433FA}" destId="{6F7432D8-C281-44A1-8E96-B7C8D769CCC9}" srcOrd="9" destOrd="0" presId="urn:microsoft.com/office/officeart/2008/layout/LinedList"/>
+    <dgm:cxn modelId="{0564F024-5922-4B67-AB72-B527DA9F0856}" type="presParOf" srcId="{6F7432D8-C281-44A1-8E96-B7C8D769CCC9}" destId="{FC9ABB8A-00ED-4E98-91AA-FAED42468B72}" srcOrd="0" destOrd="0" presId="urn:microsoft.com/office/officeart/2008/layout/LinedList"/>
+    <dgm:cxn modelId="{965FBDAA-A09B-430E-8E87-79721DD3EB1B}" type="presParOf" srcId="{6F7432D8-C281-44A1-8E96-B7C8D769CCC9}" destId="{32FBA1F5-B603-468C-B207-FD952635256E}" srcOrd="1" destOrd="0" presId="urn:microsoft.com/office/officeart/2008/layout/LinedList"/>
   </dgm:cxnLst>
   <dgm:bg/>
   <dgm:whole/>
@@ -1575,6 +2699,568 @@
 </dsp:drawing>
 </file>
 
+<file path=ppt/diagrams/drawing2.xml><?xml version="1.0" encoding="utf-8"?>
+<dsp:drawing xmlns:dgm="http://schemas.openxmlformats.org/drawingml/2006/diagram" xmlns:dsp="http://schemas.microsoft.com/office/drawing/2008/diagram" xmlns:a="http://schemas.openxmlformats.org/drawingml/2006/main">
+  <dsp:spTree>
+    <dsp:nvGrpSpPr>
+      <dsp:cNvPr id="0" name=""/>
+      <dsp:cNvGrpSpPr/>
+    </dsp:nvGrpSpPr>
+    <dsp:grpSpPr/>
+    <dsp:sp modelId="{B69E852B-4D56-40AA-84BA-7BE28C5C077D}">
+      <dsp:nvSpPr>
+        <dsp:cNvPr id="0" name=""/>
+        <dsp:cNvSpPr/>
+      </dsp:nvSpPr>
+      <dsp:spPr>
+        <a:xfrm>
+          <a:off x="0" y="680"/>
+          <a:ext cx="6506304" cy="0"/>
+        </a:xfrm>
+        <a:prstGeom prst="line">
+          <a:avLst/>
+        </a:prstGeom>
+        <a:solidFill>
+          <a:schemeClr val="accent2">
+            <a:hueOff val="0"/>
+            <a:satOff val="0"/>
+            <a:lumOff val="0"/>
+            <a:alphaOff val="0"/>
+          </a:schemeClr>
+        </a:solidFill>
+        <a:ln w="34925" cap="flat" cmpd="sng" algn="in">
+          <a:solidFill>
+            <a:schemeClr val="accent2">
+              <a:hueOff val="0"/>
+              <a:satOff val="0"/>
+              <a:lumOff val="0"/>
+              <a:alphaOff val="0"/>
+            </a:schemeClr>
+          </a:solidFill>
+          <a:prstDash val="solid"/>
+        </a:ln>
+        <a:effectLst/>
+      </dsp:spPr>
+      <dsp:style>
+        <a:lnRef idx="2">
+          <a:scrgbClr r="0" g="0" b="0"/>
+        </a:lnRef>
+        <a:fillRef idx="1">
+          <a:scrgbClr r="0" g="0" b="0"/>
+        </a:fillRef>
+        <a:effectRef idx="0">
+          <a:scrgbClr r="0" g="0" b="0"/>
+        </a:effectRef>
+        <a:fontRef idx="minor">
+          <a:schemeClr val="lt1"/>
+        </a:fontRef>
+      </dsp:style>
+    </dsp:sp>
+    <dsp:sp modelId="{61CB5E8E-16B4-4CB5-8397-5E76B525A8BB}">
+      <dsp:nvSpPr>
+        <dsp:cNvPr id="0" name=""/>
+        <dsp:cNvSpPr/>
+      </dsp:nvSpPr>
+      <dsp:spPr>
+        <a:xfrm>
+          <a:off x="0" y="680"/>
+          <a:ext cx="6506304" cy="1115295"/>
+        </a:xfrm>
+        <a:prstGeom prst="rect">
+          <a:avLst/>
+        </a:prstGeom>
+        <a:noFill/>
+        <a:ln>
+          <a:noFill/>
+        </a:ln>
+        <a:effectLst/>
+      </dsp:spPr>
+      <dsp:style>
+        <a:lnRef idx="0">
+          <a:scrgbClr r="0" g="0" b="0"/>
+        </a:lnRef>
+        <a:fillRef idx="0">
+          <a:scrgbClr r="0" g="0" b="0"/>
+        </a:fillRef>
+        <a:effectRef idx="0">
+          <a:scrgbClr r="0" g="0" b="0"/>
+        </a:effectRef>
+        <a:fontRef idx="minor"/>
+      </dsp:style>
+      <dsp:txBody>
+        <a:bodyPr spcFirstLastPara="0" vert="horz" wrap="square" lIns="125730" tIns="125730" rIns="125730" bIns="125730" numCol="1" spcCol="1270" anchor="t" anchorCtr="0">
+          <a:noAutofit/>
+        </a:bodyPr>
+        <a:lstStyle/>
+        <a:p>
+          <a:pPr marL="0" lvl="0" indent="0" algn="l" defTabSz="1466850">
+            <a:lnSpc>
+              <a:spcPct val="90000"/>
+            </a:lnSpc>
+            <a:spcBef>
+              <a:spcPct val="0"/>
+            </a:spcBef>
+            <a:spcAft>
+              <a:spcPct val="35000"/>
+            </a:spcAft>
+            <a:buNone/>
+          </a:pPr>
+          <a:r>
+            <a:rPr lang="en-US" sz="3300" kern="1200" baseline="0"/>
+            <a:t>In an industrial situation, there are several constraints to consider :</a:t>
+          </a:r>
+          <a:endParaRPr lang="en-US" sz="3300" kern="1200"/>
+        </a:p>
+      </dsp:txBody>
+      <dsp:txXfrm>
+        <a:off x="0" y="680"/>
+        <a:ext cx="6506304" cy="1115295"/>
+      </dsp:txXfrm>
+    </dsp:sp>
+    <dsp:sp modelId="{0E3D6D05-A02C-4A4B-9E15-6BB78C73ECFE}">
+      <dsp:nvSpPr>
+        <dsp:cNvPr id="0" name=""/>
+        <dsp:cNvSpPr/>
+      </dsp:nvSpPr>
+      <dsp:spPr>
+        <a:xfrm>
+          <a:off x="0" y="1115976"/>
+          <a:ext cx="6506304" cy="0"/>
+        </a:xfrm>
+        <a:prstGeom prst="line">
+          <a:avLst/>
+        </a:prstGeom>
+        <a:solidFill>
+          <a:schemeClr val="accent2">
+            <a:hueOff val="-41413"/>
+            <a:satOff val="-13584"/>
+            <a:lumOff val="-4951"/>
+            <a:alphaOff val="0"/>
+          </a:schemeClr>
+        </a:solidFill>
+        <a:ln w="34925" cap="flat" cmpd="sng" algn="in">
+          <a:solidFill>
+            <a:schemeClr val="accent2">
+              <a:hueOff val="-41413"/>
+              <a:satOff val="-13584"/>
+              <a:lumOff val="-4951"/>
+              <a:alphaOff val="0"/>
+            </a:schemeClr>
+          </a:solidFill>
+          <a:prstDash val="solid"/>
+        </a:ln>
+        <a:effectLst/>
+      </dsp:spPr>
+      <dsp:style>
+        <a:lnRef idx="2">
+          <a:scrgbClr r="0" g="0" b="0"/>
+        </a:lnRef>
+        <a:fillRef idx="1">
+          <a:scrgbClr r="0" g="0" b="0"/>
+        </a:fillRef>
+        <a:effectRef idx="0">
+          <a:scrgbClr r="0" g="0" b="0"/>
+        </a:effectRef>
+        <a:fontRef idx="minor">
+          <a:schemeClr val="lt1"/>
+        </a:fontRef>
+      </dsp:style>
+    </dsp:sp>
+    <dsp:sp modelId="{9B37B44A-E1F7-4599-8BAB-3681FE201081}">
+      <dsp:nvSpPr>
+        <dsp:cNvPr id="0" name=""/>
+        <dsp:cNvSpPr/>
+      </dsp:nvSpPr>
+      <dsp:spPr>
+        <a:xfrm>
+          <a:off x="0" y="1115976"/>
+          <a:ext cx="6506304" cy="1115295"/>
+        </a:xfrm>
+        <a:prstGeom prst="rect">
+          <a:avLst/>
+        </a:prstGeom>
+        <a:noFill/>
+        <a:ln>
+          <a:noFill/>
+        </a:ln>
+        <a:effectLst/>
+      </dsp:spPr>
+      <dsp:style>
+        <a:lnRef idx="0">
+          <a:scrgbClr r="0" g="0" b="0"/>
+        </a:lnRef>
+        <a:fillRef idx="0">
+          <a:scrgbClr r="0" g="0" b="0"/>
+        </a:fillRef>
+        <a:effectRef idx="0">
+          <a:scrgbClr r="0" g="0" b="0"/>
+        </a:effectRef>
+        <a:fontRef idx="minor"/>
+      </dsp:style>
+      <dsp:txBody>
+        <a:bodyPr spcFirstLastPara="0" vert="horz" wrap="square" lIns="125730" tIns="125730" rIns="125730" bIns="125730" numCol="1" spcCol="1270" anchor="t" anchorCtr="0">
+          <a:noAutofit/>
+        </a:bodyPr>
+        <a:lstStyle/>
+        <a:p>
+          <a:pPr marL="0" lvl="0" indent="0" algn="l" defTabSz="1466850">
+            <a:lnSpc>
+              <a:spcPct val="90000"/>
+            </a:lnSpc>
+            <a:spcBef>
+              <a:spcPct val="0"/>
+            </a:spcBef>
+            <a:spcAft>
+              <a:spcPct val="35000"/>
+            </a:spcAft>
+            <a:buNone/>
+          </a:pPr>
+          <a:r>
+            <a:rPr lang="fr-FR" sz="3300" kern="1200" baseline="0"/>
+            <a:t>Gasoline ; </a:t>
+          </a:r>
+          <a:endParaRPr lang="en-US" sz="3300" kern="1200"/>
+        </a:p>
+      </dsp:txBody>
+      <dsp:txXfrm>
+        <a:off x="0" y="1115976"/>
+        <a:ext cx="6506304" cy="1115295"/>
+      </dsp:txXfrm>
+    </dsp:sp>
+    <dsp:sp modelId="{C27436DD-2530-4175-B555-FB59F6962D16}">
+      <dsp:nvSpPr>
+        <dsp:cNvPr id="0" name=""/>
+        <dsp:cNvSpPr/>
+      </dsp:nvSpPr>
+      <dsp:spPr>
+        <a:xfrm>
+          <a:off x="0" y="2231272"/>
+          <a:ext cx="6506304" cy="0"/>
+        </a:xfrm>
+        <a:prstGeom prst="line">
+          <a:avLst/>
+        </a:prstGeom>
+        <a:solidFill>
+          <a:schemeClr val="accent2">
+            <a:hueOff val="-82827"/>
+            <a:satOff val="-27168"/>
+            <a:lumOff val="-9901"/>
+            <a:alphaOff val="0"/>
+          </a:schemeClr>
+        </a:solidFill>
+        <a:ln w="34925" cap="flat" cmpd="sng" algn="in">
+          <a:solidFill>
+            <a:schemeClr val="accent2">
+              <a:hueOff val="-82827"/>
+              <a:satOff val="-27168"/>
+              <a:lumOff val="-9901"/>
+              <a:alphaOff val="0"/>
+            </a:schemeClr>
+          </a:solidFill>
+          <a:prstDash val="solid"/>
+        </a:ln>
+        <a:effectLst/>
+      </dsp:spPr>
+      <dsp:style>
+        <a:lnRef idx="2">
+          <a:scrgbClr r="0" g="0" b="0"/>
+        </a:lnRef>
+        <a:fillRef idx="1">
+          <a:scrgbClr r="0" g="0" b="0"/>
+        </a:fillRef>
+        <a:effectRef idx="0">
+          <a:scrgbClr r="0" g="0" b="0"/>
+        </a:effectRef>
+        <a:fontRef idx="minor">
+          <a:schemeClr val="lt1"/>
+        </a:fontRef>
+      </dsp:style>
+    </dsp:sp>
+    <dsp:sp modelId="{6C6B5AAE-7F07-4ACC-B2B3-C5F7CCCD740B}">
+      <dsp:nvSpPr>
+        <dsp:cNvPr id="0" name=""/>
+        <dsp:cNvSpPr/>
+      </dsp:nvSpPr>
+      <dsp:spPr>
+        <a:xfrm>
+          <a:off x="0" y="2231272"/>
+          <a:ext cx="6506304" cy="1115295"/>
+        </a:xfrm>
+        <a:prstGeom prst="rect">
+          <a:avLst/>
+        </a:prstGeom>
+        <a:noFill/>
+        <a:ln>
+          <a:noFill/>
+        </a:ln>
+        <a:effectLst/>
+      </dsp:spPr>
+      <dsp:style>
+        <a:lnRef idx="0">
+          <a:scrgbClr r="0" g="0" b="0"/>
+        </a:lnRef>
+        <a:fillRef idx="0">
+          <a:scrgbClr r="0" g="0" b="0"/>
+        </a:fillRef>
+        <a:effectRef idx="0">
+          <a:scrgbClr r="0" g="0" b="0"/>
+        </a:effectRef>
+        <a:fontRef idx="minor"/>
+      </dsp:style>
+      <dsp:txBody>
+        <a:bodyPr spcFirstLastPara="0" vert="horz" wrap="square" lIns="125730" tIns="125730" rIns="125730" bIns="125730" numCol="1" spcCol="1270" anchor="t" anchorCtr="0">
+          <a:noAutofit/>
+        </a:bodyPr>
+        <a:lstStyle/>
+        <a:p>
+          <a:pPr marL="0" lvl="0" indent="0" algn="l" defTabSz="1466850">
+            <a:lnSpc>
+              <a:spcPct val="90000"/>
+            </a:lnSpc>
+            <a:spcBef>
+              <a:spcPct val="0"/>
+            </a:spcBef>
+            <a:spcAft>
+              <a:spcPct val="35000"/>
+            </a:spcAft>
+            <a:buNone/>
+          </a:pPr>
+          <a:r>
+            <a:rPr lang="fr-FR" sz="3300" kern="1200" baseline="0"/>
+            <a:t>Employees schedules ;</a:t>
+          </a:r>
+          <a:endParaRPr lang="en-US" sz="3300" kern="1200"/>
+        </a:p>
+      </dsp:txBody>
+      <dsp:txXfrm>
+        <a:off x="0" y="2231272"/>
+        <a:ext cx="6506304" cy="1115295"/>
+      </dsp:txXfrm>
+    </dsp:sp>
+    <dsp:sp modelId="{5CBBBD2D-7C8C-478F-9F9E-BD193AA673A3}">
+      <dsp:nvSpPr>
+        <dsp:cNvPr id="0" name=""/>
+        <dsp:cNvSpPr/>
+      </dsp:nvSpPr>
+      <dsp:spPr>
+        <a:xfrm>
+          <a:off x="0" y="3346567"/>
+          <a:ext cx="6506304" cy="0"/>
+        </a:xfrm>
+        <a:prstGeom prst="line">
+          <a:avLst/>
+        </a:prstGeom>
+        <a:solidFill>
+          <a:schemeClr val="accent2">
+            <a:hueOff val="-124240"/>
+            <a:satOff val="-40751"/>
+            <a:lumOff val="-14852"/>
+            <a:alphaOff val="0"/>
+          </a:schemeClr>
+        </a:solidFill>
+        <a:ln w="34925" cap="flat" cmpd="sng" algn="in">
+          <a:solidFill>
+            <a:schemeClr val="accent2">
+              <a:hueOff val="-124240"/>
+              <a:satOff val="-40751"/>
+              <a:lumOff val="-14852"/>
+              <a:alphaOff val="0"/>
+            </a:schemeClr>
+          </a:solidFill>
+          <a:prstDash val="solid"/>
+        </a:ln>
+        <a:effectLst/>
+      </dsp:spPr>
+      <dsp:style>
+        <a:lnRef idx="2">
+          <a:scrgbClr r="0" g="0" b="0"/>
+        </a:lnRef>
+        <a:fillRef idx="1">
+          <a:scrgbClr r="0" g="0" b="0"/>
+        </a:fillRef>
+        <a:effectRef idx="0">
+          <a:scrgbClr r="0" g="0" b="0"/>
+        </a:effectRef>
+        <a:fontRef idx="minor">
+          <a:schemeClr val="lt1"/>
+        </a:fontRef>
+      </dsp:style>
+    </dsp:sp>
+    <dsp:sp modelId="{071A65B2-AD70-4219-809D-0550F3DC82EE}">
+      <dsp:nvSpPr>
+        <dsp:cNvPr id="0" name=""/>
+        <dsp:cNvSpPr/>
+      </dsp:nvSpPr>
+      <dsp:spPr>
+        <a:xfrm>
+          <a:off x="0" y="3346567"/>
+          <a:ext cx="6506304" cy="1115295"/>
+        </a:xfrm>
+        <a:prstGeom prst="rect">
+          <a:avLst/>
+        </a:prstGeom>
+        <a:noFill/>
+        <a:ln>
+          <a:noFill/>
+        </a:ln>
+        <a:effectLst/>
+      </dsp:spPr>
+      <dsp:style>
+        <a:lnRef idx="0">
+          <a:scrgbClr r="0" g="0" b="0"/>
+        </a:lnRef>
+        <a:fillRef idx="0">
+          <a:scrgbClr r="0" g="0" b="0"/>
+        </a:fillRef>
+        <a:effectRef idx="0">
+          <a:scrgbClr r="0" g="0" b="0"/>
+        </a:effectRef>
+        <a:fontRef idx="minor"/>
+      </dsp:style>
+      <dsp:txBody>
+        <a:bodyPr spcFirstLastPara="0" vert="horz" wrap="square" lIns="125730" tIns="125730" rIns="125730" bIns="125730" numCol="1" spcCol="1270" anchor="t" anchorCtr="0">
+          <a:noAutofit/>
+        </a:bodyPr>
+        <a:lstStyle/>
+        <a:p>
+          <a:pPr marL="0" lvl="0" indent="0" algn="l" defTabSz="1466850">
+            <a:lnSpc>
+              <a:spcPct val="90000"/>
+            </a:lnSpc>
+            <a:spcBef>
+              <a:spcPct val="0"/>
+            </a:spcBef>
+            <a:spcAft>
+              <a:spcPct val="35000"/>
+            </a:spcAft>
+            <a:buNone/>
+          </a:pPr>
+          <a:r>
+            <a:rPr lang="fr-FR" sz="3300" kern="1200" baseline="0"/>
+            <a:t>Real traffic ;</a:t>
+          </a:r>
+          <a:endParaRPr lang="en-US" sz="3300" kern="1200"/>
+        </a:p>
+      </dsp:txBody>
+      <dsp:txXfrm>
+        <a:off x="0" y="3346567"/>
+        <a:ext cx="6506304" cy="1115295"/>
+      </dsp:txXfrm>
+    </dsp:sp>
+    <dsp:sp modelId="{06BB677D-47E1-47B9-BBCA-CC12221D78B8}">
+      <dsp:nvSpPr>
+        <dsp:cNvPr id="0" name=""/>
+        <dsp:cNvSpPr/>
+      </dsp:nvSpPr>
+      <dsp:spPr>
+        <a:xfrm>
+          <a:off x="0" y="4461863"/>
+          <a:ext cx="6506304" cy="0"/>
+        </a:xfrm>
+        <a:prstGeom prst="line">
+          <a:avLst/>
+        </a:prstGeom>
+        <a:solidFill>
+          <a:schemeClr val="accent2">
+            <a:hueOff val="-165654"/>
+            <a:satOff val="-54335"/>
+            <a:lumOff val="-19803"/>
+            <a:alphaOff val="0"/>
+          </a:schemeClr>
+        </a:solidFill>
+        <a:ln w="34925" cap="flat" cmpd="sng" algn="in">
+          <a:solidFill>
+            <a:schemeClr val="accent2">
+              <a:hueOff val="-165654"/>
+              <a:satOff val="-54335"/>
+              <a:lumOff val="-19803"/>
+              <a:alphaOff val="0"/>
+            </a:schemeClr>
+          </a:solidFill>
+          <a:prstDash val="solid"/>
+        </a:ln>
+        <a:effectLst/>
+      </dsp:spPr>
+      <dsp:style>
+        <a:lnRef idx="2">
+          <a:scrgbClr r="0" g="0" b="0"/>
+        </a:lnRef>
+        <a:fillRef idx="1">
+          <a:scrgbClr r="0" g="0" b="0"/>
+        </a:fillRef>
+        <a:effectRef idx="0">
+          <a:scrgbClr r="0" g="0" b="0"/>
+        </a:effectRef>
+        <a:fontRef idx="minor">
+          <a:schemeClr val="lt1"/>
+        </a:fontRef>
+      </dsp:style>
+    </dsp:sp>
+    <dsp:sp modelId="{FC9ABB8A-00ED-4E98-91AA-FAED42468B72}">
+      <dsp:nvSpPr>
+        <dsp:cNvPr id="0" name=""/>
+        <dsp:cNvSpPr/>
+      </dsp:nvSpPr>
+      <dsp:spPr>
+        <a:xfrm>
+          <a:off x="0" y="4461863"/>
+          <a:ext cx="6506304" cy="1115295"/>
+        </a:xfrm>
+        <a:prstGeom prst="rect">
+          <a:avLst/>
+        </a:prstGeom>
+        <a:noFill/>
+        <a:ln>
+          <a:noFill/>
+        </a:ln>
+        <a:effectLst/>
+      </dsp:spPr>
+      <dsp:style>
+        <a:lnRef idx="0">
+          <a:scrgbClr r="0" g="0" b="0"/>
+        </a:lnRef>
+        <a:fillRef idx="0">
+          <a:scrgbClr r="0" g="0" b="0"/>
+        </a:fillRef>
+        <a:effectRef idx="0">
+          <a:scrgbClr r="0" g="0" b="0"/>
+        </a:effectRef>
+        <a:fontRef idx="minor"/>
+      </dsp:style>
+      <dsp:txBody>
+        <a:bodyPr spcFirstLastPara="0" vert="horz" wrap="square" lIns="125730" tIns="125730" rIns="125730" bIns="125730" numCol="1" spcCol="1270" anchor="t" anchorCtr="0">
+          <a:noAutofit/>
+        </a:bodyPr>
+        <a:lstStyle/>
+        <a:p>
+          <a:pPr marL="0" lvl="0" indent="0" algn="l" defTabSz="1466850">
+            <a:lnSpc>
+              <a:spcPct val="90000"/>
+            </a:lnSpc>
+            <a:spcBef>
+              <a:spcPct val="0"/>
+            </a:spcBef>
+            <a:spcAft>
+              <a:spcPct val="35000"/>
+            </a:spcAft>
+            <a:buNone/>
+          </a:pPr>
+          <a:r>
+            <a:rPr lang="fr-FR" sz="3300" kern="1200" baseline="0"/>
+            <a:t>The danger encountered in the road.</a:t>
+          </a:r>
+          <a:endParaRPr lang="en-US" sz="3300" kern="1200"/>
+        </a:p>
+      </dsp:txBody>
+      <dsp:txXfrm>
+        <a:off x="0" y="4461863"/>
+        <a:ext cx="6506304" cy="1115295"/>
+      </dsp:txXfrm>
+    </dsp:sp>
+  </dsp:spTree>
+</dsp:drawing>
+</file>
+
 <file path=ppt/diagrams/layout1.xml><?xml version="1.0" encoding="utf-8"?>
 <dgm:layoutDef xmlns:dgm="http://schemas.openxmlformats.org/drawingml/2006/diagram" xmlns:a="http://schemas.openxmlformats.org/drawingml/2006/main" uniqueId="urn:microsoft.com/office/officeart/2018/2/layout/IconVerticalSolidList">
   <dgm:title val="Icon Vertical Solid List"/>
@@ -1869,6 +3555,472 @@
 </dgm:layoutDef>
 </file>
 
+<file path=ppt/diagrams/layout2.xml><?xml version="1.0" encoding="utf-8"?>
+<dgm:layoutDef xmlns:dgm="http://schemas.openxmlformats.org/drawingml/2006/diagram" xmlns:a="http://schemas.openxmlformats.org/drawingml/2006/main" uniqueId="urn:microsoft.com/office/officeart/2008/layout/LinedList">
+  <dgm:title val=""/>
+  <dgm:desc val=""/>
+  <dgm:catLst>
+    <dgm:cat type="hierarchy" pri="8000"/>
+    <dgm:cat type="list" pri="2500"/>
+  </dgm:catLst>
+  <dgm:sampData>
+    <dgm:dataModel>
+      <dgm:ptLst>
+        <dgm:pt modelId="0" type="doc"/>
+        <dgm:pt modelId="1">
+          <dgm:prSet phldr="1"/>
+        </dgm:pt>
+        <dgm:pt modelId="11">
+          <dgm:prSet phldr="1"/>
+        </dgm:pt>
+        <dgm:pt modelId="12">
+          <dgm:prSet phldr="1"/>
+        </dgm:pt>
+        <dgm:pt modelId="13">
+          <dgm:prSet phldr="1"/>
+        </dgm:pt>
+      </dgm:ptLst>
+      <dgm:cxnLst>
+        <dgm:cxn modelId="2" srcId="0" destId="1" srcOrd="0" destOrd="0"/>
+        <dgm:cxn modelId="3" srcId="1" destId="11" srcOrd="0" destOrd="0"/>
+        <dgm:cxn modelId="4" srcId="1" destId="12" srcOrd="1" destOrd="0"/>
+        <dgm:cxn modelId="5" srcId="1" destId="13" srcOrd="2" destOrd="0"/>
+      </dgm:cxnLst>
+      <dgm:bg/>
+      <dgm:whole/>
+    </dgm:dataModel>
+  </dgm:sampData>
+  <dgm:styleData>
+    <dgm:dataModel>
+      <dgm:ptLst>
+        <dgm:pt modelId="0" type="doc"/>
+        <dgm:pt modelId="1">
+          <dgm:prSet phldr="1"/>
+        </dgm:pt>
+        <dgm:pt modelId="11">
+          <dgm:prSet phldr="1"/>
+        </dgm:pt>
+        <dgm:pt modelId="12">
+          <dgm:prSet phldr="1"/>
+        </dgm:pt>
+      </dgm:ptLst>
+      <dgm:cxnLst>
+        <dgm:cxn modelId="2" srcId="0" destId="1" srcOrd="0" destOrd="0"/>
+        <dgm:cxn modelId="3" srcId="1" destId="11" srcOrd="0" destOrd="0"/>
+        <dgm:cxn modelId="4" srcId="1" destId="12" srcOrd="1" destOrd="0"/>
+      </dgm:cxnLst>
+      <dgm:bg/>
+      <dgm:whole/>
+    </dgm:dataModel>
+  </dgm:styleData>
+  <dgm:clrData>
+    <dgm:dataModel>
+      <dgm:ptLst>
+        <dgm:pt modelId="0" type="doc"/>
+        <dgm:pt modelId="1">
+          <dgm:prSet phldr="1"/>
+        </dgm:pt>
+        <dgm:pt modelId="11">
+          <dgm:prSet phldr="1"/>
+        </dgm:pt>
+        <dgm:pt modelId="12">
+          <dgm:prSet phldr="1"/>
+        </dgm:pt>
+      </dgm:ptLst>
+      <dgm:cxnLst>
+        <dgm:cxn modelId="2" srcId="0" destId="1" srcOrd="0" destOrd="0"/>
+        <dgm:cxn modelId="3" srcId="1" destId="11" srcOrd="0" destOrd="0"/>
+        <dgm:cxn modelId="4" srcId="1" destId="12" srcOrd="1" destOrd="0"/>
+      </dgm:cxnLst>
+      <dgm:bg/>
+      <dgm:whole/>
+    </dgm:dataModel>
+  </dgm:clrData>
+  <dgm:layoutNode name="vert0">
+    <dgm:varLst>
+      <dgm:dir/>
+      <dgm:animOne val="branch"/>
+      <dgm:animLvl val="lvl"/>
+    </dgm:varLst>
+    <dgm:choose name="Name0">
+      <dgm:if name="Name1" func="var" arg="dir" op="equ" val="norm">
+        <dgm:alg type="lin">
+          <dgm:param type="linDir" val="fromT"/>
+          <dgm:param type="nodeHorzAlign" val="l"/>
+        </dgm:alg>
+      </dgm:if>
+      <dgm:else name="Name2">
+        <dgm:alg type="lin">
+          <dgm:param type="linDir" val="fromT"/>
+          <dgm:param type="nodeHorzAlign" val="r"/>
+        </dgm:alg>
+      </dgm:else>
+    </dgm:choose>
+    <dgm:shape xmlns:r="http://schemas.openxmlformats.org/officeDocument/2006/relationships" r:blip="">
+      <dgm:adjLst/>
+    </dgm:shape>
+    <dgm:presOf/>
+    <dgm:constrLst>
+      <dgm:constr type="w" for="ch" forName="horz1" refType="w"/>
+      <dgm:constr type="h" for="ch" forName="horz1" refType="h"/>
+      <dgm:constr type="h" for="des" forName="vert1" refType="h"/>
+      <dgm:constr type="h" for="des" forName="tx1" refType="h"/>
+      <dgm:constr type="h" for="des" forName="horz2" refType="h"/>
+      <dgm:constr type="h" for="des" forName="vert2" refType="h"/>
+      <dgm:constr type="h" for="des" forName="horz3" refType="h"/>
+      <dgm:constr type="h" for="des" forName="vert3" refType="h"/>
+      <dgm:constr type="h" for="des" forName="horz4" refType="h"/>
+      <dgm:constr type="h" for="des" ptType="node" refType="h"/>
+      <dgm:constr type="primFontSz" for="des" forName="tx1" op="equ" val="65"/>
+      <dgm:constr type="primFontSz" for="des" forName="tx2" op="equ" val="65"/>
+      <dgm:constr type="primFontSz" for="des" forName="tx3" op="equ" val="65"/>
+      <dgm:constr type="primFontSz" for="des" forName="tx4" op="equ" val="65"/>
+      <dgm:constr type="w" for="des" forName="thickLine" refType="w"/>
+      <dgm:constr type="h" for="des" forName="thickLine"/>
+      <dgm:constr type="h" for="des" forName="thinLine1"/>
+      <dgm:constr type="h" for="des" forName="thinLine2b"/>
+      <dgm:constr type="h" for="des" forName="thinLine3"/>
+      <dgm:constr type="h" for="des" forName="vertSpace2a" refType="h" fact="0.05"/>
+      <dgm:constr type="h" for="des" forName="vertSpace2b" refType="h" refFor="des" refForName="vertSpace2a"/>
+    </dgm:constrLst>
+    <dgm:forEach name="Name3" axis="ch" ptType="node">
+      <dgm:layoutNode name="thickLine" styleLbl="alignNode1">
+        <dgm:alg type="sp"/>
+        <dgm:shape xmlns:r="http://schemas.openxmlformats.org/officeDocument/2006/relationships" type="line" r:blip="">
+          <dgm:adjLst/>
+        </dgm:shape>
+        <dgm:presOf/>
+      </dgm:layoutNode>
+      <dgm:layoutNode name="horz1">
+        <dgm:choose name="Name4">
+          <dgm:if name="Name5" func="var" arg="dir" op="equ" val="norm">
+            <dgm:alg type="lin">
+              <dgm:param type="linDir" val="fromL"/>
+              <dgm:param type="nodeVertAlign" val="t"/>
+            </dgm:alg>
+          </dgm:if>
+          <dgm:else name="Name6">
+            <dgm:alg type="lin">
+              <dgm:param type="linDir" val="fromR"/>
+              <dgm:param type="nodeVertAlign" val="t"/>
+            </dgm:alg>
+          </dgm:else>
+        </dgm:choose>
+        <dgm:shape xmlns:r="http://schemas.openxmlformats.org/officeDocument/2006/relationships" r:blip="">
+          <dgm:adjLst/>
+        </dgm:shape>
+        <dgm:presOf/>
+        <dgm:choose name="Name7">
+          <dgm:if name="Name8" axis="root des" func="maxDepth" op="equ" val="1">
+            <dgm:constrLst>
+              <dgm:constr type="w" for="ch" forName="tx1" refType="w"/>
+            </dgm:constrLst>
+          </dgm:if>
+          <dgm:if name="Name9" axis="root des" func="maxDepth" op="equ" val="2">
+            <dgm:constrLst>
+              <dgm:constr type="w" for="ch" forName="tx1" refType="w" fact="0.2"/>
+              <dgm:constr type="w" for="des" forName="tx2" refType="w" fact="0.785"/>
+              <dgm:constr type="w" for="des" forName="horzSpace2" refType="w" fact="0.015"/>
+              <dgm:constr type="w" for="des" forName="thinLine2b" refType="w" fact="0.8"/>
+            </dgm:constrLst>
+          </dgm:if>
+          <dgm:if name="Name10" axis="root des" func="maxDepth" op="equ" val="3">
+            <dgm:constrLst>
+              <dgm:constr type="w" for="ch" forName="tx1" refType="w" fact="0.2"/>
+              <dgm:constr type="w" for="des" forName="tx2" refType="w" fact="0.385"/>
+              <dgm:constr type="w" for="des" forName="tx3" refType="w" fact="0.385"/>
+              <dgm:constr type="w" for="des" forName="horzSpace2" refType="w" fact="0.015"/>
+              <dgm:constr type="w" for="des" forName="horzSpace3" refType="w" fact="0.015"/>
+              <dgm:constr type="w" for="des" forName="thinLine2b" refType="w" fact="0.8"/>
+              <dgm:constr type="w" for="des" forName="thinLine3" refType="w" fact="0.385"/>
+            </dgm:constrLst>
+          </dgm:if>
+          <dgm:if name="Name11" axis="root des" func="maxDepth" op="gte" val="4">
+            <dgm:constrLst>
+              <dgm:constr type="w" for="ch" forName="tx1" refType="w" fact="0.2"/>
+              <dgm:constr type="w" for="des" forName="tx2" refType="w" fact="0.2516"/>
+              <dgm:constr type="w" for="des" forName="tx3" refType="w" fact="0.2516"/>
+              <dgm:constr type="w" for="des" forName="tx4" refType="w" fact="0.2516"/>
+              <dgm:constr type="w" for="des" forName="horzSpace2" refType="w" fact="0.015"/>
+              <dgm:constr type="w" for="des" forName="horzSpace3" refType="w" fact="0.015"/>
+              <dgm:constr type="w" for="des" forName="horzSpace4" refType="w" fact="0.015"/>
+              <dgm:constr type="w" for="des" forName="thinLine2b" refType="w" fact="0.8"/>
+              <dgm:constr type="w" for="des" forName="thinLine3" refType="w" fact="0.5332"/>
+            </dgm:constrLst>
+          </dgm:if>
+          <dgm:else name="Name12"/>
+        </dgm:choose>
+        <dgm:layoutNode name="tx1" styleLbl="revTx">
+          <dgm:alg type="tx">
+            <dgm:param type="parTxLTRAlign" val="l"/>
+            <dgm:param type="parTxRTLAlign" val="r"/>
+            <dgm:param type="txAnchorVert" val="t"/>
+          </dgm:alg>
+          <dgm:shape xmlns:r="http://schemas.openxmlformats.org/officeDocument/2006/relationships" type="rect" r:blip="">
+            <dgm:adjLst/>
+          </dgm:shape>
+          <dgm:presOf axis="self"/>
+          <dgm:constrLst>
+            <dgm:constr type="tMarg" refType="primFontSz" fact="0.3"/>
+            <dgm:constr type="bMarg" refType="primFontSz" fact="0.3"/>
+            <dgm:constr type="lMarg" refType="primFontSz" fact="0.3"/>
+            <dgm:constr type="rMarg" refType="primFontSz" fact="0.3"/>
+          </dgm:constrLst>
+          <dgm:ruleLst>
+            <dgm:rule type="primFontSz" val="5" fact="NaN" max="NaN"/>
+          </dgm:ruleLst>
+        </dgm:layoutNode>
+        <dgm:layoutNode name="vert1">
+          <dgm:choose name="Name13">
+            <dgm:if name="Name14" func="var" arg="dir" op="equ" val="norm">
+              <dgm:alg type="lin">
+                <dgm:param type="linDir" val="fromT"/>
+                <dgm:param type="nodeHorzAlign" val="l"/>
+              </dgm:alg>
+            </dgm:if>
+            <dgm:else name="Name15">
+              <dgm:alg type="lin">
+                <dgm:param type="linDir" val="fromT"/>
+                <dgm:param type="nodeHorzAlign" val="r"/>
+              </dgm:alg>
+            </dgm:else>
+          </dgm:choose>
+          <dgm:shape xmlns:r="http://schemas.openxmlformats.org/officeDocument/2006/relationships" r:blip="">
+            <dgm:adjLst/>
+          </dgm:shape>
+          <dgm:presOf/>
+          <dgm:forEach name="Name16" axis="ch" ptType="node">
+            <dgm:choose name="Name17">
+              <dgm:if name="Name18" axis="self" ptType="node" func="pos" op="equ" val="1">
+                <dgm:layoutNode name="vertSpace2a">
+                  <dgm:alg type="sp"/>
+                  <dgm:shape xmlns:r="http://schemas.openxmlformats.org/officeDocument/2006/relationships" r:blip="">
+                    <dgm:adjLst/>
+                  </dgm:shape>
+                  <dgm:presOf/>
+                </dgm:layoutNode>
+              </dgm:if>
+              <dgm:else name="Name19"/>
+            </dgm:choose>
+            <dgm:layoutNode name="horz2">
+              <dgm:choose name="Name20">
+                <dgm:if name="Name21" func="var" arg="dir" op="equ" val="norm">
+                  <dgm:alg type="lin">
+                    <dgm:param type="linDir" val="fromL"/>
+                    <dgm:param type="nodeVertAlign" val="t"/>
+                  </dgm:alg>
+                </dgm:if>
+                <dgm:else name="Name22">
+                  <dgm:alg type="lin">
+                    <dgm:param type="linDir" val="fromR"/>
+                    <dgm:param type="nodeVertAlign" val="t"/>
+                  </dgm:alg>
+                </dgm:else>
+              </dgm:choose>
+              <dgm:shape xmlns:r="http://schemas.openxmlformats.org/officeDocument/2006/relationships" r:blip="">
+                <dgm:adjLst/>
+              </dgm:shape>
+              <dgm:presOf/>
+              <dgm:layoutNode name="horzSpace2">
+                <dgm:alg type="sp"/>
+                <dgm:shape xmlns:r="http://schemas.openxmlformats.org/officeDocument/2006/relationships" r:blip="">
+                  <dgm:adjLst/>
+                </dgm:shape>
+                <dgm:presOf/>
+              </dgm:layoutNode>
+              <dgm:layoutNode name="tx2" styleLbl="revTx">
+                <dgm:alg type="tx">
+                  <dgm:param type="parTxLTRAlign" val="l"/>
+                  <dgm:param type="parTxRTLAlign" val="r"/>
+                  <dgm:param type="txAnchorVert" val="t"/>
+                </dgm:alg>
+                <dgm:shape xmlns:r="http://schemas.openxmlformats.org/officeDocument/2006/relationships" type="rect" r:blip="">
+                  <dgm:adjLst/>
+                </dgm:shape>
+                <dgm:presOf axis="self"/>
+                <dgm:constrLst>
+                  <dgm:constr type="tMarg" refType="primFontSz" fact="0.3"/>
+                  <dgm:constr type="bMarg" refType="primFontSz" fact="0.3"/>
+                  <dgm:constr type="lMarg" refType="primFontSz" fact="0.3"/>
+                  <dgm:constr type="rMarg" refType="primFontSz" fact="0.3"/>
+                </dgm:constrLst>
+                <dgm:ruleLst>
+                  <dgm:rule type="primFontSz" val="5" fact="NaN" max="NaN"/>
+                </dgm:ruleLst>
+              </dgm:layoutNode>
+              <dgm:layoutNode name="vert2">
+                <dgm:choose name="Name23">
+                  <dgm:if name="Name24" func="var" arg="dir" op="equ" val="norm">
+                    <dgm:alg type="lin">
+                      <dgm:param type="linDir" val="fromT"/>
+                      <dgm:param type="nodeHorzAlign" val="l"/>
+                    </dgm:alg>
+                  </dgm:if>
+                  <dgm:else name="Name25">
+                    <dgm:alg type="lin">
+                      <dgm:param type="linDir" val="fromT"/>
+                      <dgm:param type="nodeHorzAlign" val="r"/>
+                    </dgm:alg>
+                  </dgm:else>
+                </dgm:choose>
+                <dgm:shape xmlns:r="http://schemas.openxmlformats.org/officeDocument/2006/relationships" r:blip="">
+                  <dgm:adjLst/>
+                </dgm:shape>
+                <dgm:presOf/>
+                <dgm:forEach name="Name26" axis="ch" ptType="node">
+                  <dgm:layoutNode name="horz3">
+                    <dgm:choose name="Name27">
+                      <dgm:if name="Name28" func="var" arg="dir" op="equ" val="norm">
+                        <dgm:alg type="lin">
+                          <dgm:param type="linDir" val="fromL"/>
+                          <dgm:param type="nodeVertAlign" val="t"/>
+                        </dgm:alg>
+                      </dgm:if>
+                      <dgm:else name="Name29">
+                        <dgm:alg type="lin">
+                          <dgm:param type="linDir" val="fromR"/>
+                          <dgm:param type="nodeVertAlign" val="t"/>
+                        </dgm:alg>
+                      </dgm:else>
+                    </dgm:choose>
+                    <dgm:shape xmlns:r="http://schemas.openxmlformats.org/officeDocument/2006/relationships" r:blip="">
+                      <dgm:adjLst/>
+                    </dgm:shape>
+                    <dgm:presOf/>
+                    <dgm:layoutNode name="horzSpace3">
+                      <dgm:alg type="sp"/>
+                      <dgm:shape xmlns:r="http://schemas.openxmlformats.org/officeDocument/2006/relationships" r:blip="">
+                        <dgm:adjLst/>
+                      </dgm:shape>
+                      <dgm:presOf/>
+                    </dgm:layoutNode>
+                    <dgm:layoutNode name="tx3" styleLbl="revTx">
+                      <dgm:alg type="tx">
+                        <dgm:param type="parTxLTRAlign" val="l"/>
+                        <dgm:param type="parTxRTLAlign" val="r"/>
+                        <dgm:param type="txAnchorVert" val="t"/>
+                      </dgm:alg>
+                      <dgm:shape xmlns:r="http://schemas.openxmlformats.org/officeDocument/2006/relationships" type="rect" r:blip="">
+                        <dgm:adjLst/>
+                      </dgm:shape>
+                      <dgm:presOf axis="self"/>
+                      <dgm:constrLst>
+                        <dgm:constr type="tMarg" refType="primFontSz" fact="0.3"/>
+                        <dgm:constr type="bMarg" refType="primFontSz" fact="0.3"/>
+                        <dgm:constr type="lMarg" refType="primFontSz" fact="0.3"/>
+                        <dgm:constr type="rMarg" refType="primFontSz" fact="0.3"/>
+                      </dgm:constrLst>
+                      <dgm:ruleLst>
+                        <dgm:rule type="primFontSz" val="5" fact="NaN" max="NaN"/>
+                      </dgm:ruleLst>
+                    </dgm:layoutNode>
+                    <dgm:layoutNode name="vert3">
+                      <dgm:choose name="Name30">
+                        <dgm:if name="Name31" func="var" arg="dir" op="equ" val="norm">
+                          <dgm:alg type="lin">
+                            <dgm:param type="linDir" val="fromT"/>
+                            <dgm:param type="nodeHorzAlign" val="l"/>
+                          </dgm:alg>
+                        </dgm:if>
+                        <dgm:else name="Name32">
+                          <dgm:alg type="lin">
+                            <dgm:param type="linDir" val="fromT"/>
+                            <dgm:param type="nodeHorzAlign" val="r"/>
+                          </dgm:alg>
+                        </dgm:else>
+                      </dgm:choose>
+                      <dgm:shape xmlns:r="http://schemas.openxmlformats.org/officeDocument/2006/relationships" r:blip="">
+                        <dgm:adjLst/>
+                      </dgm:shape>
+                      <dgm:presOf/>
+                      <dgm:forEach name="Name33" axis="ch" ptType="node">
+                        <dgm:layoutNode name="horz4">
+                          <dgm:choose name="Name34">
+                            <dgm:if name="Name35" func="var" arg="dir" op="equ" val="norm">
+                              <dgm:alg type="lin">
+                                <dgm:param type="linDir" val="fromL"/>
+                                <dgm:param type="nodeVertAlign" val="t"/>
+                              </dgm:alg>
+                            </dgm:if>
+                            <dgm:else name="Name36">
+                              <dgm:alg type="lin">
+                                <dgm:param type="linDir" val="fromR"/>
+                                <dgm:param type="nodeVertAlign" val="t"/>
+                              </dgm:alg>
+                            </dgm:else>
+                          </dgm:choose>
+                          <dgm:shape xmlns:r="http://schemas.openxmlformats.org/officeDocument/2006/relationships" r:blip="">
+                            <dgm:adjLst/>
+                          </dgm:shape>
+                          <dgm:presOf/>
+                          <dgm:layoutNode name="horzSpace4">
+                            <dgm:alg type="sp"/>
+                            <dgm:shape xmlns:r="http://schemas.openxmlformats.org/officeDocument/2006/relationships" r:blip="">
+                              <dgm:adjLst/>
+                            </dgm:shape>
+                            <dgm:presOf/>
+                          </dgm:layoutNode>
+                          <dgm:layoutNode name="tx4" styleLbl="revTx">
+                            <dgm:varLst>
+                              <dgm:bulletEnabled val="1"/>
+                            </dgm:varLst>
+                            <dgm:alg type="tx">
+                              <dgm:param type="parTxLTRAlign" val="l"/>
+                              <dgm:param type="parTxRTLAlign" val="r"/>
+                              <dgm:param type="txAnchorVert" val="t"/>
+                            </dgm:alg>
+                            <dgm:shape xmlns:r="http://schemas.openxmlformats.org/officeDocument/2006/relationships" type="rect" r:blip="">
+                              <dgm:adjLst/>
+                            </dgm:shape>
+                            <dgm:presOf axis="desOrSelf" ptType="node"/>
+                            <dgm:constrLst>
+                              <dgm:constr type="tMarg" refType="primFontSz" fact="0.3"/>
+                              <dgm:constr type="bMarg" refType="primFontSz" fact="0.3"/>
+                              <dgm:constr type="lMarg" refType="primFontSz" fact="0.3"/>
+                              <dgm:constr type="rMarg" refType="primFontSz" fact="0.3"/>
+                            </dgm:constrLst>
+                            <dgm:ruleLst>
+                              <dgm:rule type="primFontSz" val="5" fact="NaN" max="NaN"/>
+                            </dgm:ruleLst>
+                          </dgm:layoutNode>
+                        </dgm:layoutNode>
+                      </dgm:forEach>
+                    </dgm:layoutNode>
+                  </dgm:layoutNode>
+                  <dgm:forEach name="Name37" axis="followSib" ptType="sibTrans" cnt="1">
+                    <dgm:layoutNode name="thinLine3" styleLbl="callout">
+                      <dgm:alg type="sp"/>
+                      <dgm:shape xmlns:r="http://schemas.openxmlformats.org/officeDocument/2006/relationships" type="line" r:blip="">
+                        <dgm:adjLst/>
+                      </dgm:shape>
+                      <dgm:presOf/>
+                    </dgm:layoutNode>
+                  </dgm:forEach>
+                </dgm:forEach>
+              </dgm:layoutNode>
+            </dgm:layoutNode>
+            <dgm:layoutNode name="thinLine2b" styleLbl="callout">
+              <dgm:alg type="sp"/>
+              <dgm:shape xmlns:r="http://schemas.openxmlformats.org/officeDocument/2006/relationships" type="line" r:blip="">
+                <dgm:adjLst/>
+              </dgm:shape>
+              <dgm:presOf/>
+            </dgm:layoutNode>
+            <dgm:layoutNode name="vertSpace2b">
+              <dgm:alg type="sp"/>
+              <dgm:shape xmlns:r="http://schemas.openxmlformats.org/officeDocument/2006/relationships" r:blip="">
+                <dgm:adjLst/>
+              </dgm:shape>
+              <dgm:presOf/>
+            </dgm:layoutNode>
+          </dgm:forEach>
+        </dgm:layoutNode>
+      </dgm:layoutNode>
+    </dgm:forEach>
+  </dgm:layoutNode>
+</dgm:layoutDef>
+</file>
+
 <file path=ppt/diagrams/quickStyle1.xml><?xml version="1.0" encoding="utf-8"?>
 <dgm:styleDef xmlns:dgm="http://schemas.openxmlformats.org/drawingml/2006/diagram" xmlns:a="http://schemas.openxmlformats.org/drawingml/2006/main" uniqueId="urn:microsoft.com/office/officeart/2005/8/quickstyle/simple1">
   <dgm:title val=""/>
@@ -2901,6 +5053,1389 @@
     </dgm:style>
   </dgm:styleLbl>
 </dgm:styleDef>
+</file>
+
+<file path=ppt/diagrams/quickStyle2.xml><?xml version="1.0" encoding="utf-8"?>
+<dgm:styleDef xmlns:dgm="http://schemas.openxmlformats.org/drawingml/2006/diagram" xmlns:a="http://schemas.openxmlformats.org/drawingml/2006/main" uniqueId="urn:microsoft.com/office/officeart/2005/8/quickstyle/simple1">
+  <dgm:title val=""/>
+  <dgm:desc val=""/>
+  <dgm:catLst>
+    <dgm:cat type="simple" pri="10100"/>
+  </dgm:catLst>
+  <dgm:scene3d>
+    <a:camera prst="orthographicFront"/>
+    <a:lightRig rig="threePt" dir="t"/>
+  </dgm:scene3d>
+  <dgm:styleLbl name="node0">
+    <dgm:scene3d>
+      <a:camera prst="orthographicFront"/>
+      <a:lightRig rig="threePt" dir="t"/>
+    </dgm:scene3d>
+    <dgm:sp3d/>
+    <dgm:txPr/>
+    <dgm:style>
+      <a:lnRef idx="2">
+        <a:scrgbClr r="0" g="0" b="0"/>
+      </a:lnRef>
+      <a:fillRef idx="1">
+        <a:scrgbClr r="0" g="0" b="0"/>
+      </a:fillRef>
+      <a:effectRef idx="0">
+        <a:scrgbClr r="0" g="0" b="0"/>
+      </a:effectRef>
+      <a:fontRef idx="minor">
+        <a:schemeClr val="lt1"/>
+      </a:fontRef>
+    </dgm:style>
+  </dgm:styleLbl>
+  <dgm:styleLbl name="lnNode1">
+    <dgm:scene3d>
+      <a:camera prst="orthographicFront"/>
+      <a:lightRig rig="threePt" dir="t"/>
+    </dgm:scene3d>
+    <dgm:sp3d/>
+    <dgm:txPr/>
+    <dgm:style>
+      <a:lnRef idx="2">
+        <a:scrgbClr r="0" g="0" b="0"/>
+      </a:lnRef>
+      <a:fillRef idx="1">
+        <a:scrgbClr r="0" g="0" b="0"/>
+      </a:fillRef>
+      <a:effectRef idx="0">
+        <a:scrgbClr r="0" g="0" b="0"/>
+      </a:effectRef>
+      <a:fontRef idx="minor">
+        <a:schemeClr val="lt1"/>
+      </a:fontRef>
+    </dgm:style>
+  </dgm:styleLbl>
+  <dgm:styleLbl name="vennNode1">
+    <dgm:scene3d>
+      <a:camera prst="orthographicFront"/>
+      <a:lightRig rig="threePt" dir="t"/>
+    </dgm:scene3d>
+    <dgm:sp3d/>
+    <dgm:txPr/>
+    <dgm:style>
+      <a:lnRef idx="2">
+        <a:scrgbClr r="0" g="0" b="0"/>
+      </a:lnRef>
+      <a:fillRef idx="1">
+        <a:scrgbClr r="0" g="0" b="0"/>
+      </a:fillRef>
+      <a:effectRef idx="0">
+        <a:scrgbClr r="0" g="0" b="0"/>
+      </a:effectRef>
+      <a:fontRef idx="minor">
+        <a:schemeClr val="tx1"/>
+      </a:fontRef>
+    </dgm:style>
+  </dgm:styleLbl>
+  <dgm:styleLbl name="alignNode1">
+    <dgm:scene3d>
+      <a:camera prst="orthographicFront"/>
+      <a:lightRig rig="threePt" dir="t"/>
+    </dgm:scene3d>
+    <dgm:sp3d/>
+    <dgm:txPr/>
+    <dgm:style>
+      <a:lnRef idx="2">
+        <a:scrgbClr r="0" g="0" b="0"/>
+      </a:lnRef>
+      <a:fillRef idx="1">
+        <a:scrgbClr r="0" g="0" b="0"/>
+      </a:fillRef>
+      <a:effectRef idx="0">
+        <a:scrgbClr r="0" g="0" b="0"/>
+      </a:effectRef>
+      <a:fontRef idx="minor">
+        <a:schemeClr val="lt1"/>
+      </a:fontRef>
+    </dgm:style>
+  </dgm:styleLbl>
+  <dgm:styleLbl name="node1">
+    <dgm:scene3d>
+      <a:camera prst="orthographicFront"/>
+      <a:lightRig rig="threePt" dir="t"/>
+    </dgm:scene3d>
+    <dgm:sp3d/>
+    <dgm:txPr/>
+    <dgm:style>
+      <a:lnRef idx="2">
+        <a:scrgbClr r="0" g="0" b="0"/>
+      </a:lnRef>
+      <a:fillRef idx="1">
+        <a:scrgbClr r="0" g="0" b="0"/>
+      </a:fillRef>
+      <a:effectRef idx="0">
+        <a:scrgbClr r="0" g="0" b="0"/>
+      </a:effectRef>
+      <a:fontRef idx="minor">
+        <a:schemeClr val="lt1"/>
+      </a:fontRef>
+    </dgm:style>
+  </dgm:styleLbl>
+  <dgm:styleLbl name="node2">
+    <dgm:scene3d>
+      <a:camera prst="orthographicFront"/>
+      <a:lightRig rig="threePt" dir="t"/>
+    </dgm:scene3d>
+    <dgm:sp3d/>
+    <dgm:txPr/>
+    <dgm:style>
+      <a:lnRef idx="2">
+        <a:scrgbClr r="0" g="0" b="0"/>
+      </a:lnRef>
+      <a:fillRef idx="1">
+        <a:scrgbClr r="0" g="0" b="0"/>
+      </a:fillRef>
+      <a:effectRef idx="0">
+        <a:scrgbClr r="0" g="0" b="0"/>
+      </a:effectRef>
+      <a:fontRef idx="minor">
+        <a:schemeClr val="lt1"/>
+      </a:fontRef>
+    </dgm:style>
+  </dgm:styleLbl>
+  <dgm:styleLbl name="node3">
+    <dgm:scene3d>
+      <a:camera prst="orthographicFront"/>
+      <a:lightRig rig="threePt" dir="t"/>
+    </dgm:scene3d>
+    <dgm:sp3d/>
+    <dgm:txPr/>
+    <dgm:style>
+      <a:lnRef idx="2">
+        <a:scrgbClr r="0" g="0" b="0"/>
+      </a:lnRef>
+      <a:fillRef idx="1">
+        <a:scrgbClr r="0" g="0" b="0"/>
+      </a:fillRef>
+      <a:effectRef idx="0">
+        <a:scrgbClr r="0" g="0" b="0"/>
+      </a:effectRef>
+      <a:fontRef idx="minor">
+        <a:schemeClr val="lt1"/>
+      </a:fontRef>
+    </dgm:style>
+  </dgm:styleLbl>
+  <dgm:styleLbl name="node4">
+    <dgm:scene3d>
+      <a:camera prst="orthographicFront"/>
+      <a:lightRig rig="threePt" dir="t"/>
+    </dgm:scene3d>
+    <dgm:sp3d/>
+    <dgm:txPr/>
+    <dgm:style>
+      <a:lnRef idx="2">
+        <a:scrgbClr r="0" g="0" b="0"/>
+      </a:lnRef>
+      <a:fillRef idx="1">
+        <a:scrgbClr r="0" g="0" b="0"/>
+      </a:fillRef>
+      <a:effectRef idx="0">
+        <a:scrgbClr r="0" g="0" b="0"/>
+      </a:effectRef>
+      <a:fontRef idx="minor">
+        <a:schemeClr val="lt1"/>
+      </a:fontRef>
+    </dgm:style>
+  </dgm:styleLbl>
+  <dgm:styleLbl name="fgImgPlace1">
+    <dgm:scene3d>
+      <a:camera prst="orthographicFront"/>
+      <a:lightRig rig="threePt" dir="t"/>
+    </dgm:scene3d>
+    <dgm:sp3d/>
+    <dgm:txPr/>
+    <dgm:style>
+      <a:lnRef idx="2">
+        <a:scrgbClr r="0" g="0" b="0"/>
+      </a:lnRef>
+      <a:fillRef idx="1">
+        <a:scrgbClr r="0" g="0" b="0"/>
+      </a:fillRef>
+      <a:effectRef idx="0">
+        <a:scrgbClr r="0" g="0" b="0"/>
+      </a:effectRef>
+      <a:fontRef idx="minor"/>
+    </dgm:style>
+  </dgm:styleLbl>
+  <dgm:styleLbl name="alignImgPlace1">
+    <dgm:scene3d>
+      <a:camera prst="orthographicFront"/>
+      <a:lightRig rig="threePt" dir="t"/>
+    </dgm:scene3d>
+    <dgm:sp3d/>
+    <dgm:txPr/>
+    <dgm:style>
+      <a:lnRef idx="2">
+        <a:scrgbClr r="0" g="0" b="0"/>
+      </a:lnRef>
+      <a:fillRef idx="1">
+        <a:scrgbClr r="0" g="0" b="0"/>
+      </a:fillRef>
+      <a:effectRef idx="0">
+        <a:scrgbClr r="0" g="0" b="0"/>
+      </a:effectRef>
+      <a:fontRef idx="minor"/>
+    </dgm:style>
+  </dgm:styleLbl>
+  <dgm:styleLbl name="bgImgPlace1">
+    <dgm:scene3d>
+      <a:camera prst="orthographicFront"/>
+      <a:lightRig rig="threePt" dir="t"/>
+    </dgm:scene3d>
+    <dgm:sp3d/>
+    <dgm:txPr/>
+    <dgm:style>
+      <a:lnRef idx="2">
+        <a:scrgbClr r="0" g="0" b="0"/>
+      </a:lnRef>
+      <a:fillRef idx="1">
+        <a:scrgbClr r="0" g="0" b="0"/>
+      </a:fillRef>
+      <a:effectRef idx="0">
+        <a:scrgbClr r="0" g="0" b="0"/>
+      </a:effectRef>
+      <a:fontRef idx="minor"/>
+    </dgm:style>
+  </dgm:styleLbl>
+  <dgm:styleLbl name="sibTrans2D1">
+    <dgm:scene3d>
+      <a:camera prst="orthographicFront"/>
+      <a:lightRig rig="threePt" dir="t"/>
+    </dgm:scene3d>
+    <dgm:sp3d/>
+    <dgm:txPr/>
+    <dgm:style>
+      <a:lnRef idx="0">
+        <a:scrgbClr r="0" g="0" b="0"/>
+      </a:lnRef>
+      <a:fillRef idx="1">
+        <a:scrgbClr r="0" g="0" b="0"/>
+      </a:fillRef>
+      <a:effectRef idx="0">
+        <a:scrgbClr r="0" g="0" b="0"/>
+      </a:effectRef>
+      <a:fontRef idx="minor">
+        <a:schemeClr val="lt1"/>
+      </a:fontRef>
+    </dgm:style>
+  </dgm:styleLbl>
+  <dgm:styleLbl name="fgSibTrans2D1">
+    <dgm:scene3d>
+      <a:camera prst="orthographicFront"/>
+      <a:lightRig rig="threePt" dir="t"/>
+    </dgm:scene3d>
+    <dgm:sp3d/>
+    <dgm:txPr/>
+    <dgm:style>
+      <a:lnRef idx="0">
+        <a:scrgbClr r="0" g="0" b="0"/>
+      </a:lnRef>
+      <a:fillRef idx="1">
+        <a:scrgbClr r="0" g="0" b="0"/>
+      </a:fillRef>
+      <a:effectRef idx="0">
+        <a:scrgbClr r="0" g="0" b="0"/>
+      </a:effectRef>
+      <a:fontRef idx="minor">
+        <a:schemeClr val="lt1"/>
+      </a:fontRef>
+    </dgm:style>
+  </dgm:styleLbl>
+  <dgm:styleLbl name="bgSibTrans2D1">
+    <dgm:scene3d>
+      <a:camera prst="orthographicFront"/>
+      <a:lightRig rig="threePt" dir="t"/>
+    </dgm:scene3d>
+    <dgm:sp3d/>
+    <dgm:txPr/>
+    <dgm:style>
+      <a:lnRef idx="0">
+        <a:scrgbClr r="0" g="0" b="0"/>
+      </a:lnRef>
+      <a:fillRef idx="1">
+        <a:scrgbClr r="0" g="0" b="0"/>
+      </a:fillRef>
+      <a:effectRef idx="0">
+        <a:scrgbClr r="0" g="0" b="0"/>
+      </a:effectRef>
+      <a:fontRef idx="minor">
+        <a:schemeClr val="lt1"/>
+      </a:fontRef>
+    </dgm:style>
+  </dgm:styleLbl>
+  <dgm:styleLbl name="sibTrans1D1">
+    <dgm:scene3d>
+      <a:camera prst="orthographicFront"/>
+      <a:lightRig rig="threePt" dir="t"/>
+    </dgm:scene3d>
+    <dgm:sp3d/>
+    <dgm:txPr/>
+    <dgm:style>
+      <a:lnRef idx="1">
+        <a:scrgbClr r="0" g="0" b="0"/>
+      </a:lnRef>
+      <a:fillRef idx="0">
+        <a:scrgbClr r="0" g="0" b="0"/>
+      </a:fillRef>
+      <a:effectRef idx="0">
+        <a:scrgbClr r="0" g="0" b="0"/>
+      </a:effectRef>
+      <a:fontRef idx="minor"/>
+    </dgm:style>
+  </dgm:styleLbl>
+  <dgm:styleLbl name="callout">
+    <dgm:scene3d>
+      <a:camera prst="orthographicFront"/>
+      <a:lightRig rig="threePt" dir="t"/>
+    </dgm:scene3d>
+    <dgm:sp3d/>
+    <dgm:txPr/>
+    <dgm:style>
+      <a:lnRef idx="2">
+        <a:scrgbClr r="0" g="0" b="0"/>
+      </a:lnRef>
+      <a:fillRef idx="1">
+        <a:scrgbClr r="0" g="0" b="0"/>
+      </a:fillRef>
+      <a:effectRef idx="0">
+        <a:scrgbClr r="0" g="0" b="0"/>
+      </a:effectRef>
+      <a:fontRef idx="minor"/>
+    </dgm:style>
+  </dgm:styleLbl>
+  <dgm:styleLbl name="asst0">
+    <dgm:scene3d>
+      <a:camera prst="orthographicFront"/>
+      <a:lightRig rig="threePt" dir="t"/>
+    </dgm:scene3d>
+    <dgm:sp3d/>
+    <dgm:txPr/>
+    <dgm:style>
+      <a:lnRef idx="2">
+        <a:scrgbClr r="0" g="0" b="0"/>
+      </a:lnRef>
+      <a:fillRef idx="1">
+        <a:scrgbClr r="0" g="0" b="0"/>
+      </a:fillRef>
+      <a:effectRef idx="0">
+        <a:scrgbClr r="0" g="0" b="0"/>
+      </a:effectRef>
+      <a:fontRef idx="minor">
+        <a:schemeClr val="lt1"/>
+      </a:fontRef>
+    </dgm:style>
+  </dgm:styleLbl>
+  <dgm:styleLbl name="asst1">
+    <dgm:scene3d>
+      <a:camera prst="orthographicFront"/>
+      <a:lightRig rig="threePt" dir="t"/>
+    </dgm:scene3d>
+    <dgm:sp3d/>
+    <dgm:txPr/>
+    <dgm:style>
+      <a:lnRef idx="2">
+        <a:scrgbClr r="0" g="0" b="0"/>
+      </a:lnRef>
+      <a:fillRef idx="1">
+        <a:scrgbClr r="0" g="0" b="0"/>
+      </a:fillRef>
+      <a:effectRef idx="0">
+        <a:scrgbClr r="0" g="0" b="0"/>
+      </a:effectRef>
+      <a:fontRef idx="minor">
+        <a:schemeClr val="lt1"/>
+      </a:fontRef>
+    </dgm:style>
+  </dgm:styleLbl>
+  <dgm:styleLbl name="asst2">
+    <dgm:scene3d>
+      <a:camera prst="orthographicFront"/>
+      <a:lightRig rig="threePt" dir="t"/>
+    </dgm:scene3d>
+    <dgm:sp3d/>
+    <dgm:txPr/>
+    <dgm:style>
+      <a:lnRef idx="2">
+        <a:scrgbClr r="0" g="0" b="0"/>
+      </a:lnRef>
+      <a:fillRef idx="1">
+        <a:scrgbClr r="0" g="0" b="0"/>
+      </a:fillRef>
+      <a:effectRef idx="0">
+        <a:scrgbClr r="0" g="0" b="0"/>
+      </a:effectRef>
+      <a:fontRef idx="minor">
+        <a:schemeClr val="lt1"/>
+      </a:fontRef>
+    </dgm:style>
+  </dgm:styleLbl>
+  <dgm:styleLbl name="asst3">
+    <dgm:scene3d>
+      <a:camera prst="orthographicFront"/>
+      <a:lightRig rig="threePt" dir="t"/>
+    </dgm:scene3d>
+    <dgm:sp3d/>
+    <dgm:txPr/>
+    <dgm:style>
+      <a:lnRef idx="2">
+        <a:scrgbClr r="0" g="0" b="0"/>
+      </a:lnRef>
+      <a:fillRef idx="1">
+        <a:scrgbClr r="0" g="0" b="0"/>
+      </a:fillRef>
+      <a:effectRef idx="0">
+        <a:scrgbClr r="0" g="0" b="0"/>
+      </a:effectRef>
+      <a:fontRef idx="minor">
+        <a:schemeClr val="lt1"/>
+      </a:fontRef>
+    </dgm:style>
+  </dgm:styleLbl>
+  <dgm:styleLbl name="asst4">
+    <dgm:scene3d>
+      <a:camera prst="orthographicFront"/>
+      <a:lightRig rig="threePt" dir="t"/>
+    </dgm:scene3d>
+    <dgm:sp3d/>
+    <dgm:txPr/>
+    <dgm:style>
+      <a:lnRef idx="2">
+        <a:scrgbClr r="0" g="0" b="0"/>
+      </a:lnRef>
+      <a:fillRef idx="1">
+        <a:scrgbClr r="0" g="0" b="0"/>
+      </a:fillRef>
+      <a:effectRef idx="0">
+        <a:scrgbClr r="0" g="0" b="0"/>
+      </a:effectRef>
+      <a:fontRef idx="minor">
+        <a:schemeClr val="lt1"/>
+      </a:fontRef>
+    </dgm:style>
+  </dgm:styleLbl>
+  <dgm:styleLbl name="parChTrans2D1">
+    <dgm:scene3d>
+      <a:camera prst="orthographicFront"/>
+      <a:lightRig rig="threePt" dir="t"/>
+    </dgm:scene3d>
+    <dgm:sp3d/>
+    <dgm:txPr/>
+    <dgm:style>
+      <a:lnRef idx="2">
+        <a:scrgbClr r="0" g="0" b="0"/>
+      </a:lnRef>
+      <a:fillRef idx="1">
+        <a:scrgbClr r="0" g="0" b="0"/>
+      </a:fillRef>
+      <a:effectRef idx="0">
+        <a:scrgbClr r="0" g="0" b="0"/>
+      </a:effectRef>
+      <a:fontRef idx="minor">
+        <a:schemeClr val="lt1"/>
+      </a:fontRef>
+    </dgm:style>
+  </dgm:styleLbl>
+  <dgm:styleLbl name="parChTrans2D2">
+    <dgm:scene3d>
+      <a:camera prst="orthographicFront"/>
+      <a:lightRig rig="threePt" dir="t"/>
+    </dgm:scene3d>
+    <dgm:sp3d/>
+    <dgm:txPr/>
+    <dgm:style>
+      <a:lnRef idx="2">
+        <a:scrgbClr r="0" g="0" b="0"/>
+      </a:lnRef>
+      <a:fillRef idx="1">
+        <a:scrgbClr r="0" g="0" b="0"/>
+      </a:fillRef>
+      <a:effectRef idx="0">
+        <a:scrgbClr r="0" g="0" b="0"/>
+      </a:effectRef>
+      <a:fontRef idx="minor">
+        <a:schemeClr val="lt1"/>
+      </a:fontRef>
+    </dgm:style>
+  </dgm:styleLbl>
+  <dgm:styleLbl name="parChTrans2D3">
+    <dgm:scene3d>
+      <a:camera prst="orthographicFront"/>
+      <a:lightRig rig="threePt" dir="t"/>
+    </dgm:scene3d>
+    <dgm:sp3d/>
+    <dgm:txPr/>
+    <dgm:style>
+      <a:lnRef idx="2">
+        <a:scrgbClr r="0" g="0" b="0"/>
+      </a:lnRef>
+      <a:fillRef idx="1">
+        <a:scrgbClr r="0" g="0" b="0"/>
+      </a:fillRef>
+      <a:effectRef idx="0">
+        <a:scrgbClr r="0" g="0" b="0"/>
+      </a:effectRef>
+      <a:fontRef idx="minor">
+        <a:schemeClr val="lt1"/>
+      </a:fontRef>
+    </dgm:style>
+  </dgm:styleLbl>
+  <dgm:styleLbl name="parChTrans2D4">
+    <dgm:scene3d>
+      <a:camera prst="orthographicFront"/>
+      <a:lightRig rig="threePt" dir="t"/>
+    </dgm:scene3d>
+    <dgm:sp3d/>
+    <dgm:txPr/>
+    <dgm:style>
+      <a:lnRef idx="2">
+        <a:scrgbClr r="0" g="0" b="0"/>
+      </a:lnRef>
+      <a:fillRef idx="1">
+        <a:scrgbClr r="0" g="0" b="0"/>
+      </a:fillRef>
+      <a:effectRef idx="0">
+        <a:scrgbClr r="0" g="0" b="0"/>
+      </a:effectRef>
+      <a:fontRef idx="minor">
+        <a:schemeClr val="lt1"/>
+      </a:fontRef>
+    </dgm:style>
+  </dgm:styleLbl>
+  <dgm:styleLbl name="parChTrans1D1">
+    <dgm:scene3d>
+      <a:camera prst="orthographicFront"/>
+      <a:lightRig rig="threePt" dir="t"/>
+    </dgm:scene3d>
+    <dgm:sp3d/>
+    <dgm:txPr/>
+    <dgm:style>
+      <a:lnRef idx="2">
+        <a:scrgbClr r="0" g="0" b="0"/>
+      </a:lnRef>
+      <a:fillRef idx="0">
+        <a:scrgbClr r="0" g="0" b="0"/>
+      </a:fillRef>
+      <a:effectRef idx="0">
+        <a:scrgbClr r="0" g="0" b="0"/>
+      </a:effectRef>
+      <a:fontRef idx="minor"/>
+    </dgm:style>
+  </dgm:styleLbl>
+  <dgm:styleLbl name="parChTrans1D2">
+    <dgm:scene3d>
+      <a:camera prst="orthographicFront"/>
+      <a:lightRig rig="threePt" dir="t"/>
+    </dgm:scene3d>
+    <dgm:sp3d/>
+    <dgm:txPr/>
+    <dgm:style>
+      <a:lnRef idx="2">
+        <a:scrgbClr r="0" g="0" b="0"/>
+      </a:lnRef>
+      <a:fillRef idx="0">
+        <a:scrgbClr r="0" g="0" b="0"/>
+      </a:fillRef>
+      <a:effectRef idx="0">
+        <a:scrgbClr r="0" g="0" b="0"/>
+      </a:effectRef>
+      <a:fontRef idx="minor"/>
+    </dgm:style>
+  </dgm:styleLbl>
+  <dgm:styleLbl name="parChTrans1D3">
+    <dgm:scene3d>
+      <a:camera prst="orthographicFront"/>
+      <a:lightRig rig="threePt" dir="t"/>
+    </dgm:scene3d>
+    <dgm:sp3d/>
+    <dgm:txPr/>
+    <dgm:style>
+      <a:lnRef idx="2">
+        <a:scrgbClr r="0" g="0" b="0"/>
+      </a:lnRef>
+      <a:fillRef idx="0">
+        <a:scrgbClr r="0" g="0" b="0"/>
+      </a:fillRef>
+      <a:effectRef idx="0">
+        <a:scrgbClr r="0" g="0" b="0"/>
+      </a:effectRef>
+      <a:fontRef idx="minor"/>
+    </dgm:style>
+  </dgm:styleLbl>
+  <dgm:styleLbl name="parChTrans1D4">
+    <dgm:scene3d>
+      <a:camera prst="orthographicFront"/>
+      <a:lightRig rig="threePt" dir="t"/>
+    </dgm:scene3d>
+    <dgm:sp3d/>
+    <dgm:txPr/>
+    <dgm:style>
+      <a:lnRef idx="2">
+        <a:scrgbClr r="0" g="0" b="0"/>
+      </a:lnRef>
+      <a:fillRef idx="0">
+        <a:scrgbClr r="0" g="0" b="0"/>
+      </a:fillRef>
+      <a:effectRef idx="0">
+        <a:scrgbClr r="0" g="0" b="0"/>
+      </a:effectRef>
+      <a:fontRef idx="minor"/>
+    </dgm:style>
+  </dgm:styleLbl>
+  <dgm:styleLbl name="fgAcc1">
+    <dgm:scene3d>
+      <a:camera prst="orthographicFront"/>
+      <a:lightRig rig="threePt" dir="t"/>
+    </dgm:scene3d>
+    <dgm:sp3d/>
+    <dgm:txPr/>
+    <dgm:style>
+      <a:lnRef idx="2">
+        <a:scrgbClr r="0" g="0" b="0"/>
+      </a:lnRef>
+      <a:fillRef idx="1">
+        <a:scrgbClr r="0" g="0" b="0"/>
+      </a:fillRef>
+      <a:effectRef idx="0">
+        <a:scrgbClr r="0" g="0" b="0"/>
+      </a:effectRef>
+      <a:fontRef idx="minor"/>
+    </dgm:style>
+  </dgm:styleLbl>
+  <dgm:styleLbl name="conFgAcc1">
+    <dgm:scene3d>
+      <a:camera prst="orthographicFront"/>
+      <a:lightRig rig="threePt" dir="t"/>
+    </dgm:scene3d>
+    <dgm:sp3d/>
+    <dgm:txPr/>
+    <dgm:style>
+      <a:lnRef idx="2">
+        <a:scrgbClr r="0" g="0" b="0"/>
+      </a:lnRef>
+      <a:fillRef idx="1">
+        <a:scrgbClr r="0" g="0" b="0"/>
+      </a:fillRef>
+      <a:effectRef idx="0">
+        <a:scrgbClr r="0" g="0" b="0"/>
+      </a:effectRef>
+      <a:fontRef idx="minor"/>
+    </dgm:style>
+  </dgm:styleLbl>
+  <dgm:styleLbl name="alignAcc1">
+    <dgm:scene3d>
+      <a:camera prst="orthographicFront"/>
+      <a:lightRig rig="threePt" dir="t"/>
+    </dgm:scene3d>
+    <dgm:sp3d/>
+    <dgm:txPr/>
+    <dgm:style>
+      <a:lnRef idx="2">
+        <a:scrgbClr r="0" g="0" b="0"/>
+      </a:lnRef>
+      <a:fillRef idx="1">
+        <a:scrgbClr r="0" g="0" b="0"/>
+      </a:fillRef>
+      <a:effectRef idx="0">
+        <a:scrgbClr r="0" g="0" b="0"/>
+      </a:effectRef>
+      <a:fontRef idx="minor"/>
+    </dgm:style>
+  </dgm:styleLbl>
+  <dgm:styleLbl name="trAlignAcc1">
+    <dgm:scene3d>
+      <a:camera prst="orthographicFront"/>
+      <a:lightRig rig="threePt" dir="t"/>
+    </dgm:scene3d>
+    <dgm:sp3d/>
+    <dgm:txPr/>
+    <dgm:style>
+      <a:lnRef idx="1">
+        <a:scrgbClr r="0" g="0" b="0"/>
+      </a:lnRef>
+      <a:fillRef idx="1">
+        <a:scrgbClr r="0" g="0" b="0"/>
+      </a:fillRef>
+      <a:effectRef idx="0">
+        <a:scrgbClr r="0" g="0" b="0"/>
+      </a:effectRef>
+      <a:fontRef idx="minor"/>
+    </dgm:style>
+  </dgm:styleLbl>
+  <dgm:styleLbl name="bgAcc1">
+    <dgm:scene3d>
+      <a:camera prst="orthographicFront"/>
+      <a:lightRig rig="threePt" dir="t"/>
+    </dgm:scene3d>
+    <dgm:sp3d/>
+    <dgm:txPr/>
+    <dgm:style>
+      <a:lnRef idx="2">
+        <a:scrgbClr r="0" g="0" b="0"/>
+      </a:lnRef>
+      <a:fillRef idx="1">
+        <a:scrgbClr r="0" g="0" b="0"/>
+      </a:fillRef>
+      <a:effectRef idx="0">
+        <a:scrgbClr r="0" g="0" b="0"/>
+      </a:effectRef>
+      <a:fontRef idx="minor"/>
+    </dgm:style>
+  </dgm:styleLbl>
+  <dgm:styleLbl name="solidFgAcc1">
+    <dgm:scene3d>
+      <a:camera prst="orthographicFront"/>
+      <a:lightRig rig="threePt" dir="t"/>
+    </dgm:scene3d>
+    <dgm:sp3d/>
+    <dgm:txPr/>
+    <dgm:style>
+      <a:lnRef idx="2">
+        <a:scrgbClr r="0" g="0" b="0"/>
+      </a:lnRef>
+      <a:fillRef idx="1">
+        <a:scrgbClr r="0" g="0" b="0"/>
+      </a:fillRef>
+      <a:effectRef idx="0">
+        <a:scrgbClr r="0" g="0" b="0"/>
+      </a:effectRef>
+      <a:fontRef idx="minor"/>
+    </dgm:style>
+  </dgm:styleLbl>
+  <dgm:styleLbl name="solidAlignAcc1">
+    <dgm:scene3d>
+      <a:camera prst="orthographicFront"/>
+      <a:lightRig rig="threePt" dir="t"/>
+    </dgm:scene3d>
+    <dgm:sp3d/>
+    <dgm:txPr/>
+    <dgm:style>
+      <a:lnRef idx="2">
+        <a:scrgbClr r="0" g="0" b="0"/>
+      </a:lnRef>
+      <a:fillRef idx="1">
+        <a:scrgbClr r="0" g="0" b="0"/>
+      </a:fillRef>
+      <a:effectRef idx="0">
+        <a:scrgbClr r="0" g="0" b="0"/>
+      </a:effectRef>
+      <a:fontRef idx="minor"/>
+    </dgm:style>
+  </dgm:styleLbl>
+  <dgm:styleLbl name="solidBgAcc1">
+    <dgm:scene3d>
+      <a:camera prst="orthographicFront"/>
+      <a:lightRig rig="threePt" dir="t"/>
+    </dgm:scene3d>
+    <dgm:sp3d/>
+    <dgm:txPr/>
+    <dgm:style>
+      <a:lnRef idx="2">
+        <a:scrgbClr r="0" g="0" b="0"/>
+      </a:lnRef>
+      <a:fillRef idx="1">
+        <a:scrgbClr r="0" g="0" b="0"/>
+      </a:fillRef>
+      <a:effectRef idx="0">
+        <a:scrgbClr r="0" g="0" b="0"/>
+      </a:effectRef>
+      <a:fontRef idx="minor"/>
+    </dgm:style>
+  </dgm:styleLbl>
+  <dgm:styleLbl name="fgAccFollowNode1">
+    <dgm:scene3d>
+      <a:camera prst="orthographicFront"/>
+      <a:lightRig rig="threePt" dir="t"/>
+    </dgm:scene3d>
+    <dgm:sp3d/>
+    <dgm:txPr/>
+    <dgm:style>
+      <a:lnRef idx="2">
+        <a:scrgbClr r="0" g="0" b="0"/>
+      </a:lnRef>
+      <a:fillRef idx="1">
+        <a:scrgbClr r="0" g="0" b="0"/>
+      </a:fillRef>
+      <a:effectRef idx="0">
+        <a:scrgbClr r="0" g="0" b="0"/>
+      </a:effectRef>
+      <a:fontRef idx="minor"/>
+    </dgm:style>
+  </dgm:styleLbl>
+  <dgm:styleLbl name="alignAccFollowNode1">
+    <dgm:scene3d>
+      <a:camera prst="orthographicFront"/>
+      <a:lightRig rig="threePt" dir="t"/>
+    </dgm:scene3d>
+    <dgm:sp3d/>
+    <dgm:txPr/>
+    <dgm:style>
+      <a:lnRef idx="2">
+        <a:scrgbClr r="0" g="0" b="0"/>
+      </a:lnRef>
+      <a:fillRef idx="1">
+        <a:scrgbClr r="0" g="0" b="0"/>
+      </a:fillRef>
+      <a:effectRef idx="0">
+        <a:scrgbClr r="0" g="0" b="0"/>
+      </a:effectRef>
+      <a:fontRef idx="minor"/>
+    </dgm:style>
+  </dgm:styleLbl>
+  <dgm:styleLbl name="bgAccFollowNode1">
+    <dgm:scene3d>
+      <a:camera prst="orthographicFront"/>
+      <a:lightRig rig="threePt" dir="t"/>
+    </dgm:scene3d>
+    <dgm:sp3d/>
+    <dgm:txPr/>
+    <dgm:style>
+      <a:lnRef idx="2">
+        <a:scrgbClr r="0" g="0" b="0"/>
+      </a:lnRef>
+      <a:fillRef idx="1">
+        <a:scrgbClr r="0" g="0" b="0"/>
+      </a:fillRef>
+      <a:effectRef idx="0">
+        <a:scrgbClr r="0" g="0" b="0"/>
+      </a:effectRef>
+      <a:fontRef idx="minor"/>
+    </dgm:style>
+  </dgm:styleLbl>
+  <dgm:styleLbl name="fgAcc0">
+    <dgm:scene3d>
+      <a:camera prst="orthographicFront"/>
+      <a:lightRig rig="threePt" dir="t"/>
+    </dgm:scene3d>
+    <dgm:sp3d/>
+    <dgm:txPr/>
+    <dgm:style>
+      <a:lnRef idx="2">
+        <a:scrgbClr r="0" g="0" b="0"/>
+      </a:lnRef>
+      <a:fillRef idx="1">
+        <a:scrgbClr r="0" g="0" b="0"/>
+      </a:fillRef>
+      <a:effectRef idx="0">
+        <a:scrgbClr r="0" g="0" b="0"/>
+      </a:effectRef>
+      <a:fontRef idx="minor"/>
+    </dgm:style>
+  </dgm:styleLbl>
+  <dgm:styleLbl name="fgAcc2">
+    <dgm:scene3d>
+      <a:camera prst="orthographicFront"/>
+      <a:lightRig rig="threePt" dir="t"/>
+    </dgm:scene3d>
+    <dgm:sp3d/>
+    <dgm:txPr/>
+    <dgm:style>
+      <a:lnRef idx="2">
+        <a:scrgbClr r="0" g="0" b="0"/>
+      </a:lnRef>
+      <a:fillRef idx="1">
+        <a:scrgbClr r="0" g="0" b="0"/>
+      </a:fillRef>
+      <a:effectRef idx="0">
+        <a:scrgbClr r="0" g="0" b="0"/>
+      </a:effectRef>
+      <a:fontRef idx="minor"/>
+    </dgm:style>
+  </dgm:styleLbl>
+  <dgm:styleLbl name="fgAcc3">
+    <dgm:scene3d>
+      <a:camera prst="orthographicFront"/>
+      <a:lightRig rig="threePt" dir="t"/>
+    </dgm:scene3d>
+    <dgm:sp3d/>
+    <dgm:txPr/>
+    <dgm:style>
+      <a:lnRef idx="2">
+        <a:scrgbClr r="0" g="0" b="0"/>
+      </a:lnRef>
+      <a:fillRef idx="1">
+        <a:scrgbClr r="0" g="0" b="0"/>
+      </a:fillRef>
+      <a:effectRef idx="0">
+        <a:scrgbClr r="0" g="0" b="0"/>
+      </a:effectRef>
+      <a:fontRef idx="minor"/>
+    </dgm:style>
+  </dgm:styleLbl>
+  <dgm:styleLbl name="fgAcc4">
+    <dgm:scene3d>
+      <a:camera prst="orthographicFront"/>
+      <a:lightRig rig="threePt" dir="t"/>
+    </dgm:scene3d>
+    <dgm:sp3d/>
+    <dgm:txPr/>
+    <dgm:style>
+      <a:lnRef idx="2">
+        <a:scrgbClr r="0" g="0" b="0"/>
+      </a:lnRef>
+      <a:fillRef idx="1">
+        <a:scrgbClr r="0" g="0" b="0"/>
+      </a:fillRef>
+      <a:effectRef idx="0">
+        <a:scrgbClr r="0" g="0" b="0"/>
+      </a:effectRef>
+      <a:fontRef idx="minor"/>
+    </dgm:style>
+  </dgm:styleLbl>
+  <dgm:styleLbl name="bgShp">
+    <dgm:scene3d>
+      <a:camera prst="orthographicFront"/>
+      <a:lightRig rig="threePt" dir="t"/>
+    </dgm:scene3d>
+    <dgm:sp3d/>
+    <dgm:txPr/>
+    <dgm:style>
+      <a:lnRef idx="0">
+        <a:scrgbClr r="0" g="0" b="0"/>
+      </a:lnRef>
+      <a:fillRef idx="1">
+        <a:scrgbClr r="0" g="0" b="0"/>
+      </a:fillRef>
+      <a:effectRef idx="0">
+        <a:scrgbClr r="0" g="0" b="0"/>
+      </a:effectRef>
+      <a:fontRef idx="minor"/>
+    </dgm:style>
+  </dgm:styleLbl>
+  <dgm:styleLbl name="dkBgShp">
+    <dgm:scene3d>
+      <a:camera prst="orthographicFront"/>
+      <a:lightRig rig="threePt" dir="t"/>
+    </dgm:scene3d>
+    <dgm:sp3d/>
+    <dgm:txPr/>
+    <dgm:style>
+      <a:lnRef idx="0">
+        <a:scrgbClr r="0" g="0" b="0"/>
+      </a:lnRef>
+      <a:fillRef idx="1">
+        <a:scrgbClr r="0" g="0" b="0"/>
+      </a:fillRef>
+      <a:effectRef idx="0">
+        <a:scrgbClr r="0" g="0" b="0"/>
+      </a:effectRef>
+      <a:fontRef idx="minor"/>
+    </dgm:style>
+  </dgm:styleLbl>
+  <dgm:styleLbl name="trBgShp">
+    <dgm:scene3d>
+      <a:camera prst="orthographicFront"/>
+      <a:lightRig rig="threePt" dir="t"/>
+    </dgm:scene3d>
+    <dgm:sp3d/>
+    <dgm:txPr/>
+    <dgm:style>
+      <a:lnRef idx="0">
+        <a:scrgbClr r="0" g="0" b="0"/>
+      </a:lnRef>
+      <a:fillRef idx="1">
+        <a:scrgbClr r="0" g="0" b="0"/>
+      </a:fillRef>
+      <a:effectRef idx="0">
+        <a:scrgbClr r="0" g="0" b="0"/>
+      </a:effectRef>
+      <a:fontRef idx="minor"/>
+    </dgm:style>
+  </dgm:styleLbl>
+  <dgm:styleLbl name="fgShp">
+    <dgm:scene3d>
+      <a:camera prst="orthographicFront"/>
+      <a:lightRig rig="threePt" dir="t"/>
+    </dgm:scene3d>
+    <dgm:sp3d/>
+    <dgm:txPr/>
+    <dgm:style>
+      <a:lnRef idx="2">
+        <a:scrgbClr r="0" g="0" b="0"/>
+      </a:lnRef>
+      <a:fillRef idx="1">
+        <a:scrgbClr r="0" g="0" b="0"/>
+      </a:fillRef>
+      <a:effectRef idx="0">
+        <a:scrgbClr r="0" g="0" b="0"/>
+      </a:effectRef>
+      <a:fontRef idx="minor"/>
+    </dgm:style>
+  </dgm:styleLbl>
+  <dgm:styleLbl name="revTx">
+    <dgm:scene3d>
+      <a:camera prst="orthographicFront"/>
+      <a:lightRig rig="threePt" dir="t"/>
+    </dgm:scene3d>
+    <dgm:sp3d/>
+    <dgm:txPr/>
+    <dgm:style>
+      <a:lnRef idx="0">
+        <a:scrgbClr r="0" g="0" b="0"/>
+      </a:lnRef>
+      <a:fillRef idx="0">
+        <a:scrgbClr r="0" g="0" b="0"/>
+      </a:fillRef>
+      <a:effectRef idx="0">
+        <a:scrgbClr r="0" g="0" b="0"/>
+      </a:effectRef>
+      <a:fontRef idx="minor"/>
+    </dgm:style>
+  </dgm:styleLbl>
+</dgm:styleDef>
+</file>
+
+<file path=ppt/notesMasters/notesMaster1.xml><?xml version="1.0" encoding="utf-8"?>
+<p:notesMaster xmlns:a="http://schemas.openxmlformats.org/drawingml/2006/main" xmlns:r="http://schemas.openxmlformats.org/officeDocument/2006/relationships" xmlns:p="http://schemas.openxmlformats.org/presentationml/2006/main">
+  <p:cSld>
+    <p:bg>
+      <p:bgRef idx="1001">
+        <a:schemeClr val="bg1"/>
+      </p:bgRef>
+    </p:bg>
+    <p:spTree>
+      <p:nvGrpSpPr>
+        <p:cNvPr id="1" name=""/>
+        <p:cNvGrpSpPr/>
+        <p:nvPr/>
+      </p:nvGrpSpPr>
+      <p:grpSpPr>
+        <a:xfrm>
+          <a:off x="0" y="0"/>
+          <a:ext cx="0" cy="0"/>
+          <a:chOff x="0" y="0"/>
+          <a:chExt cx="0" cy="0"/>
+        </a:xfrm>
+      </p:grpSpPr>
+      <p:sp>
+        <p:nvSpPr>
+          <p:cNvPr id="2" name="Espace réservé de l'en-tête 1"/>
+          <p:cNvSpPr>
+            <a:spLocks noGrp="1"/>
+          </p:cNvSpPr>
+          <p:nvPr>
+            <p:ph type="hdr" sz="quarter"/>
+          </p:nvPr>
+        </p:nvSpPr>
+        <p:spPr>
+          <a:xfrm>
+            <a:off x="0" y="0"/>
+            <a:ext cx="2971800" cy="458788"/>
+          </a:xfrm>
+          <a:prstGeom prst="rect">
+            <a:avLst/>
+          </a:prstGeom>
+        </p:spPr>
+        <p:txBody>
+          <a:bodyPr vert="horz" lIns="91440" tIns="45720" rIns="91440" bIns="45720" rtlCol="0"/>
+          <a:lstStyle>
+            <a:lvl1pPr algn="l">
+              <a:defRPr sz="1200"/>
+            </a:lvl1pPr>
+          </a:lstStyle>
+          <a:p>
+            <a:endParaRPr lang="fr-FR"/>
+          </a:p>
+        </p:txBody>
+      </p:sp>
+      <p:sp>
+        <p:nvSpPr>
+          <p:cNvPr id="3" name="Espace réservé de la date 2"/>
+          <p:cNvSpPr>
+            <a:spLocks noGrp="1"/>
+          </p:cNvSpPr>
+          <p:nvPr>
+            <p:ph type="dt" idx="1"/>
+          </p:nvPr>
+        </p:nvSpPr>
+        <p:spPr>
+          <a:xfrm>
+            <a:off x="3884613" y="0"/>
+            <a:ext cx="2971800" cy="458788"/>
+          </a:xfrm>
+          <a:prstGeom prst="rect">
+            <a:avLst/>
+          </a:prstGeom>
+        </p:spPr>
+        <p:txBody>
+          <a:bodyPr vert="horz" lIns="91440" tIns="45720" rIns="91440" bIns="45720" rtlCol="0"/>
+          <a:lstStyle>
+            <a:lvl1pPr algn="r">
+              <a:defRPr sz="1200"/>
+            </a:lvl1pPr>
+          </a:lstStyle>
+          <a:p>
+            <a:fld id="{513A9244-503A-4D6C-8E30-2DF30DA1D848}" type="datetimeFigureOut">
+              <a:rPr lang="fr-FR" smtClean="0"/>
+              <a:t>26/06/2020</a:t>
+            </a:fld>
+            <a:endParaRPr lang="fr-FR"/>
+          </a:p>
+        </p:txBody>
+      </p:sp>
+      <p:sp>
+        <p:nvSpPr>
+          <p:cNvPr id="4" name="Espace réservé de l'image des diapositives 3"/>
+          <p:cNvSpPr>
+            <a:spLocks noGrp="1" noRot="1" noChangeAspect="1"/>
+          </p:cNvSpPr>
+          <p:nvPr>
+            <p:ph type="sldImg" idx="2"/>
+          </p:nvPr>
+        </p:nvSpPr>
+        <p:spPr>
+          <a:xfrm>
+            <a:off x="685800" y="1143000"/>
+            <a:ext cx="5486400" cy="3086100"/>
+          </a:xfrm>
+          <a:prstGeom prst="rect">
+            <a:avLst/>
+          </a:prstGeom>
+          <a:noFill/>
+          <a:ln w="12700">
+            <a:solidFill>
+              <a:prstClr val="black"/>
+            </a:solidFill>
+          </a:ln>
+        </p:spPr>
+        <p:txBody>
+          <a:bodyPr vert="horz" lIns="91440" tIns="45720" rIns="91440" bIns="45720" rtlCol="0" anchor="ctr"/>
+          <a:lstStyle/>
+          <a:p>
+            <a:endParaRPr lang="fr-FR"/>
+          </a:p>
+        </p:txBody>
+      </p:sp>
+      <p:sp>
+        <p:nvSpPr>
+          <p:cNvPr id="5" name="Espace réservé des notes 4"/>
+          <p:cNvSpPr>
+            <a:spLocks noGrp="1"/>
+          </p:cNvSpPr>
+          <p:nvPr>
+            <p:ph type="body" sz="quarter" idx="3"/>
+          </p:nvPr>
+        </p:nvSpPr>
+        <p:spPr>
+          <a:xfrm>
+            <a:off x="685800" y="4400550"/>
+            <a:ext cx="5486400" cy="3600450"/>
+          </a:xfrm>
+          <a:prstGeom prst="rect">
+            <a:avLst/>
+          </a:prstGeom>
+        </p:spPr>
+        <p:txBody>
+          <a:bodyPr vert="horz" lIns="91440" tIns="45720" rIns="91440" bIns="45720" rtlCol="0"/>
+          <a:lstStyle/>
+          <a:p>
+            <a:pPr lvl="0"/>
+            <a:r>
+              <a:rPr lang="fr-FR"/>
+              <a:t>Cliquez pour modifier les styles du texte du masque</a:t>
+            </a:r>
+          </a:p>
+          <a:p>
+            <a:pPr lvl="1"/>
+            <a:r>
+              <a:rPr lang="fr-FR"/>
+              <a:t>Deuxième niveau</a:t>
+            </a:r>
+          </a:p>
+          <a:p>
+            <a:pPr lvl="2"/>
+            <a:r>
+              <a:rPr lang="fr-FR"/>
+              <a:t>Troisième niveau</a:t>
+            </a:r>
+          </a:p>
+          <a:p>
+            <a:pPr lvl="3"/>
+            <a:r>
+              <a:rPr lang="fr-FR"/>
+              <a:t>Quatrième niveau</a:t>
+            </a:r>
+          </a:p>
+          <a:p>
+            <a:pPr lvl="4"/>
+            <a:r>
+              <a:rPr lang="fr-FR"/>
+              <a:t>Cinquième niveau</a:t>
+            </a:r>
+          </a:p>
+        </p:txBody>
+      </p:sp>
+      <p:sp>
+        <p:nvSpPr>
+          <p:cNvPr id="6" name="Espace réservé du pied de page 5"/>
+          <p:cNvSpPr>
+            <a:spLocks noGrp="1"/>
+          </p:cNvSpPr>
+          <p:nvPr>
+            <p:ph type="ftr" sz="quarter" idx="4"/>
+          </p:nvPr>
+        </p:nvSpPr>
+        <p:spPr>
+          <a:xfrm>
+            <a:off x="0" y="8685213"/>
+            <a:ext cx="2971800" cy="458787"/>
+          </a:xfrm>
+          <a:prstGeom prst="rect">
+            <a:avLst/>
+          </a:prstGeom>
+        </p:spPr>
+        <p:txBody>
+          <a:bodyPr vert="horz" lIns="91440" tIns="45720" rIns="91440" bIns="45720" rtlCol="0" anchor="b"/>
+          <a:lstStyle>
+            <a:lvl1pPr algn="l">
+              <a:defRPr sz="1200"/>
+            </a:lvl1pPr>
+          </a:lstStyle>
+          <a:p>
+            <a:endParaRPr lang="fr-FR"/>
+          </a:p>
+        </p:txBody>
+      </p:sp>
+      <p:sp>
+        <p:nvSpPr>
+          <p:cNvPr id="7" name="Espace réservé du numéro de diapositive 6"/>
+          <p:cNvSpPr>
+            <a:spLocks noGrp="1"/>
+          </p:cNvSpPr>
+          <p:nvPr>
+            <p:ph type="sldNum" sz="quarter" idx="5"/>
+          </p:nvPr>
+        </p:nvSpPr>
+        <p:spPr>
+          <a:xfrm>
+            <a:off x="3884613" y="8685213"/>
+            <a:ext cx="2971800" cy="458787"/>
+          </a:xfrm>
+          <a:prstGeom prst="rect">
+            <a:avLst/>
+          </a:prstGeom>
+        </p:spPr>
+        <p:txBody>
+          <a:bodyPr vert="horz" lIns="91440" tIns="45720" rIns="91440" bIns="45720" rtlCol="0" anchor="b"/>
+          <a:lstStyle>
+            <a:lvl1pPr algn="r">
+              <a:defRPr sz="1200"/>
+            </a:lvl1pPr>
+          </a:lstStyle>
+          <a:p>
+            <a:fld id="{AA120FAF-3464-4D1B-A942-8939E72C6F50}" type="slidenum">
+              <a:rPr lang="fr-FR" smtClean="0"/>
+              <a:t>‹N°›</a:t>
+            </a:fld>
+            <a:endParaRPr lang="fr-FR"/>
+          </a:p>
+        </p:txBody>
+      </p:sp>
+    </p:spTree>
+    <p:extLst>
+      <p:ext uri="{BB962C8B-B14F-4D97-AF65-F5344CB8AC3E}">
+        <p14:creationId xmlns:p14="http://schemas.microsoft.com/office/powerpoint/2010/main" val="636347028"/>
+      </p:ext>
+    </p:extLst>
+  </p:cSld>
+  <p:clrMap bg1="lt1" tx1="dk1" bg2="lt2" tx2="dk2" accent1="accent1" accent2="accent2" accent3="accent3" accent4="accent4" accent5="accent5" accent6="accent6" hlink="hlink" folHlink="folHlink"/>
+  <p:notesStyle>
+    <a:lvl1pPr marL="0" algn="l" defTabSz="914400" rtl="0" eaLnBrk="1" latinLnBrk="0" hangingPunct="1">
+      <a:defRPr sz="1200" kern="1200">
+        <a:solidFill>
+          <a:schemeClr val="tx1"/>
+        </a:solidFill>
+        <a:latin typeface="+mn-lt"/>
+        <a:ea typeface="+mn-ea"/>
+        <a:cs typeface="+mn-cs"/>
+      </a:defRPr>
+    </a:lvl1pPr>
+    <a:lvl2pPr marL="457200" algn="l" defTabSz="914400" rtl="0" eaLnBrk="1" latinLnBrk="0" hangingPunct="1">
+      <a:defRPr sz="1200" kern="1200">
+        <a:solidFill>
+          <a:schemeClr val="tx1"/>
+        </a:solidFill>
+        <a:latin typeface="+mn-lt"/>
+        <a:ea typeface="+mn-ea"/>
+        <a:cs typeface="+mn-cs"/>
+      </a:defRPr>
+    </a:lvl2pPr>
+    <a:lvl3pPr marL="914400" algn="l" defTabSz="914400" rtl="0" eaLnBrk="1" latinLnBrk="0" hangingPunct="1">
+      <a:defRPr sz="1200" kern="1200">
+        <a:solidFill>
+          <a:schemeClr val="tx1"/>
+        </a:solidFill>
+        <a:latin typeface="+mn-lt"/>
+        <a:ea typeface="+mn-ea"/>
+        <a:cs typeface="+mn-cs"/>
+      </a:defRPr>
+    </a:lvl3pPr>
+    <a:lvl4pPr marL="1371600" algn="l" defTabSz="914400" rtl="0" eaLnBrk="1" latinLnBrk="0" hangingPunct="1">
+      <a:defRPr sz="1200" kern="1200">
+        <a:solidFill>
+          <a:schemeClr val="tx1"/>
+        </a:solidFill>
+        <a:latin typeface="+mn-lt"/>
+        <a:ea typeface="+mn-ea"/>
+        <a:cs typeface="+mn-cs"/>
+      </a:defRPr>
+    </a:lvl4pPr>
+    <a:lvl5pPr marL="1828800" algn="l" defTabSz="914400" rtl="0" eaLnBrk="1" latinLnBrk="0" hangingPunct="1">
+      <a:defRPr sz="1200" kern="1200">
+        <a:solidFill>
+          <a:schemeClr val="tx1"/>
+        </a:solidFill>
+        <a:latin typeface="+mn-lt"/>
+        <a:ea typeface="+mn-ea"/>
+        <a:cs typeface="+mn-cs"/>
+      </a:defRPr>
+    </a:lvl5pPr>
+    <a:lvl6pPr marL="2286000" algn="l" defTabSz="914400" rtl="0" eaLnBrk="1" latinLnBrk="0" hangingPunct="1">
+      <a:defRPr sz="1200" kern="1200">
+        <a:solidFill>
+          <a:schemeClr val="tx1"/>
+        </a:solidFill>
+        <a:latin typeface="+mn-lt"/>
+        <a:ea typeface="+mn-ea"/>
+        <a:cs typeface="+mn-cs"/>
+      </a:defRPr>
+    </a:lvl6pPr>
+    <a:lvl7pPr marL="2743200" algn="l" defTabSz="914400" rtl="0" eaLnBrk="1" latinLnBrk="0" hangingPunct="1">
+      <a:defRPr sz="1200" kern="1200">
+        <a:solidFill>
+          <a:schemeClr val="tx1"/>
+        </a:solidFill>
+        <a:latin typeface="+mn-lt"/>
+        <a:ea typeface="+mn-ea"/>
+        <a:cs typeface="+mn-cs"/>
+      </a:defRPr>
+    </a:lvl7pPr>
+    <a:lvl8pPr marL="3200400" algn="l" defTabSz="914400" rtl="0" eaLnBrk="1" latinLnBrk="0" hangingPunct="1">
+      <a:defRPr sz="1200" kern="1200">
+        <a:solidFill>
+          <a:schemeClr val="tx1"/>
+        </a:solidFill>
+        <a:latin typeface="+mn-lt"/>
+        <a:ea typeface="+mn-ea"/>
+        <a:cs typeface="+mn-cs"/>
+      </a:defRPr>
+    </a:lvl8pPr>
+    <a:lvl9pPr marL="3657600" algn="l" defTabSz="914400" rtl="0" eaLnBrk="1" latinLnBrk="0" hangingPunct="1">
+      <a:defRPr sz="1200" kern="1200">
+        <a:solidFill>
+          <a:schemeClr val="tx1"/>
+        </a:solidFill>
+        <a:latin typeface="+mn-lt"/>
+        <a:ea typeface="+mn-ea"/>
+        <a:cs typeface="+mn-cs"/>
+      </a:defRPr>
+    </a:lvl9pPr>
+  </p:notesStyle>
+</p:notesMaster>
 </file>
 
 <file path=ppt/slideLayouts/slideLayout1.xml><?xml version="1.0" encoding="utf-8"?>
@@ -3070,9 +6605,9 @@
             </a:lvl1pPr>
           </a:lstStyle>
           <a:p>
-            <a:fld id="{188270A3-2A4C-487F-8898-D0E390A54479}" type="datetimeFigureOut">
+            <a:fld id="{C5A53901-DA7C-4E2D-84A6-C0976EEE2A77}" type="datetime1">
               <a:rPr lang="fr-FR" smtClean="0"/>
-              <a:t>25/06/2020</a:t>
+              <a:t>26/06/2020</a:t>
             </a:fld>
             <a:endParaRPr lang="fr-FR"/>
           </a:p>
@@ -3400,9 +6935,9 @@
           <a:bodyPr/>
           <a:lstStyle/>
           <a:p>
-            <a:fld id="{188270A3-2A4C-487F-8898-D0E390A54479}" type="datetimeFigureOut">
+            <a:fld id="{0F6B8B22-4D96-4708-945A-589F4DE6D1A6}" type="datetime1">
               <a:rPr lang="fr-FR" smtClean="0"/>
-              <a:t>25/06/2020</a:t>
+              <a:t>26/06/2020</a:t>
             </a:fld>
             <a:endParaRPr lang="fr-FR"/>
           </a:p>
@@ -3580,9 +7115,9 @@
           <a:bodyPr/>
           <a:lstStyle/>
           <a:p>
-            <a:fld id="{188270A3-2A4C-487F-8898-D0E390A54479}" type="datetimeFigureOut">
+            <a:fld id="{81AFE278-88F9-4D88-A333-2888CB49FA38}" type="datetime1">
               <a:rPr lang="fr-FR" smtClean="0"/>
-              <a:t>25/06/2020</a:t>
+              <a:t>26/06/2020</a:t>
             </a:fld>
             <a:endParaRPr lang="fr-FR"/>
           </a:p>
@@ -3750,9 +7285,9 @@
           <a:bodyPr/>
           <a:lstStyle/>
           <a:p>
-            <a:fld id="{188270A3-2A4C-487F-8898-D0E390A54479}" type="datetimeFigureOut">
+            <a:fld id="{43D37521-4B12-4EF8-A1CE-C845A296D6F6}" type="datetime1">
               <a:rPr lang="fr-FR" smtClean="0"/>
-              <a:t>25/06/2020</a:t>
+              <a:t>26/06/2020</a:t>
             </a:fld>
             <a:endParaRPr lang="fr-FR"/>
           </a:p>
@@ -4027,9 +7562,9 @@
             </a:lvl1pPr>
           </a:lstStyle>
           <a:p>
-            <a:fld id="{188270A3-2A4C-487F-8898-D0E390A54479}" type="datetimeFigureOut">
+            <a:fld id="{F8F452EE-D543-4DCC-BBC7-F604285B88AF}" type="datetime1">
               <a:rPr lang="fr-FR" smtClean="0"/>
-              <a:t>25/06/2020</a:t>
+              <a:t>26/06/2020</a:t>
             </a:fld>
             <a:endParaRPr lang="fr-FR"/>
           </a:p>
@@ -4421,9 +7956,9 @@
           <a:bodyPr/>
           <a:lstStyle/>
           <a:p>
-            <a:fld id="{188270A3-2A4C-487F-8898-D0E390A54479}" type="datetimeFigureOut">
+            <a:fld id="{E0D64AA4-75A8-42AD-B49D-6954D42CB224}" type="datetime1">
               <a:rPr lang="fr-FR" smtClean="0"/>
-              <a:t>25/06/2020</a:t>
+              <a:t>26/06/2020</a:t>
             </a:fld>
             <a:endParaRPr lang="fr-FR"/>
           </a:p>
@@ -4898,9 +8433,9 @@
           <a:bodyPr/>
           <a:lstStyle/>
           <a:p>
-            <a:fld id="{188270A3-2A4C-487F-8898-D0E390A54479}" type="datetimeFigureOut">
+            <a:fld id="{B3127916-35B2-43E4-AEED-19CDD5FC2D2E}" type="datetime1">
               <a:rPr lang="fr-FR" smtClean="0"/>
-              <a:t>25/06/2020</a:t>
+              <a:t>26/06/2020</a:t>
             </a:fld>
             <a:endParaRPr lang="fr-FR"/>
           </a:p>
@@ -5016,9 +8551,9 @@
           <a:bodyPr/>
           <a:lstStyle/>
           <a:p>
-            <a:fld id="{188270A3-2A4C-487F-8898-D0E390A54479}" type="datetimeFigureOut">
+            <a:fld id="{05D3282F-807E-445E-AE53-90C267DB6A35}" type="datetime1">
               <a:rPr lang="fr-FR" smtClean="0"/>
-              <a:t>25/06/2020</a:t>
+              <a:t>26/06/2020</a:t>
             </a:fld>
             <a:endParaRPr lang="fr-FR"/>
           </a:p>
@@ -5111,9 +8646,9 @@
           <a:bodyPr/>
           <a:lstStyle/>
           <a:p>
-            <a:fld id="{188270A3-2A4C-487F-8898-D0E390A54479}" type="datetimeFigureOut">
+            <a:fld id="{470828E7-275B-4029-B5D0-FB021CC75857}" type="datetime1">
               <a:rPr lang="fr-FR" smtClean="0"/>
-              <a:t>25/06/2020</a:t>
+              <a:t>26/06/2020</a:t>
             </a:fld>
             <a:endParaRPr lang="fr-FR"/>
           </a:p>
@@ -5457,9 +8992,9 @@
             </a:lvl1pPr>
           </a:lstStyle>
           <a:p>
-            <a:fld id="{188270A3-2A4C-487F-8898-D0E390A54479}" type="datetimeFigureOut">
+            <a:fld id="{3F0A23C3-EC45-4CD3-8D61-AE37843879D1}" type="datetime1">
               <a:rPr lang="fr-FR" smtClean="0"/>
-              <a:t>25/06/2020</a:t>
+              <a:t>26/06/2020</a:t>
             </a:fld>
             <a:endParaRPr lang="fr-FR"/>
           </a:p>
@@ -5845,9 +9380,9 @@
             </a:lvl1pPr>
           </a:lstStyle>
           <a:p>
-            <a:fld id="{188270A3-2A4C-487F-8898-D0E390A54479}" type="datetimeFigureOut">
+            <a:fld id="{5B821486-CEE4-48E6-B648-5C5F18B46B3A}" type="datetime1">
               <a:rPr lang="fr-FR" smtClean="0"/>
-              <a:t>25/06/2020</a:t>
+              <a:t>26/06/2020</a:t>
             </a:fld>
             <a:endParaRPr lang="fr-FR"/>
           </a:p>
@@ -6123,9 +9658,9 @@
             </a:lvl1pPr>
           </a:lstStyle>
           <a:p>
-            <a:fld id="{188270A3-2A4C-487F-8898-D0E390A54479}" type="datetimeFigureOut">
+            <a:fld id="{601C7D59-FA36-4B7F-9783-6901C60A47B1}" type="datetime1">
               <a:rPr lang="fr-FR" smtClean="0"/>
-              <a:t>25/06/2020</a:t>
+              <a:t>26/06/2020</a:t>
             </a:fld>
             <a:endParaRPr lang="fr-FR"/>
           </a:p>
@@ -6264,6 +9799,7 @@
     <p:sldLayoutId id="2147483670" r:id="rId10"/>
     <p:sldLayoutId id="2147483671" r:id="rId11"/>
   </p:sldLayoutIdLst>
+  <p:hf hdr="0" ftr="0" dt="0"/>
   <p:txStyles>
     <p:titleStyle>
       <a:lvl1pPr algn="l" defTabSz="914400" rtl="0" eaLnBrk="1" latinLnBrk="0" hangingPunct="1">
@@ -6670,6 +10206,35 @@
           </a:p>
         </p:txBody>
       </p:sp>
+      <p:sp>
+        <p:nvSpPr>
+          <p:cNvPr id="3" name="Espace réservé du numéro de diapositive 2">
+            <a:extLst>
+              <a:ext uri="{FF2B5EF4-FFF2-40B4-BE49-F238E27FC236}">
+                <a16:creationId xmlns:a16="http://schemas.microsoft.com/office/drawing/2014/main" id="{75DF7770-A3E1-4C13-8227-2F903DD012CF}"/>
+              </a:ext>
+            </a:extLst>
+          </p:cNvPr>
+          <p:cNvSpPr>
+            <a:spLocks noGrp="1"/>
+          </p:cNvSpPr>
+          <p:nvPr>
+            <p:ph type="sldNum" sz="quarter" idx="12"/>
+          </p:nvPr>
+        </p:nvSpPr>
+        <p:spPr/>
+        <p:txBody>
+          <a:bodyPr/>
+          <a:lstStyle/>
+          <a:p>
+            <a:fld id="{64E8CFCF-C9AF-496F-85C4-EF83E7BE6EED}" type="slidenum">
+              <a:rPr lang="fr-FR" smtClean="0"/>
+              <a:t>1</a:t>
+            </a:fld>
+            <a:endParaRPr lang="fr-FR"/>
+          </a:p>
+        </p:txBody>
+      </p:sp>
     </p:spTree>
     <p:extLst>
       <p:ext uri="{BB962C8B-B14F-4D97-AF65-F5344CB8AC3E}">
@@ -7156,6 +10721,35 @@
               <a:rPr lang="fr-FR" dirty="0"/>
               <a:t>Genty Aurélien</a:t>
             </a:r>
+          </a:p>
+        </p:txBody>
+      </p:sp>
+      <p:sp>
+        <p:nvSpPr>
+          <p:cNvPr id="3" name="Espace réservé du numéro de diapositive 2">
+            <a:extLst>
+              <a:ext uri="{FF2B5EF4-FFF2-40B4-BE49-F238E27FC236}">
+                <a16:creationId xmlns:a16="http://schemas.microsoft.com/office/drawing/2014/main" id="{3B3943C1-39BC-4694-8657-50515E51101F}"/>
+              </a:ext>
+            </a:extLst>
+          </p:cNvPr>
+          <p:cNvSpPr>
+            <a:spLocks noGrp="1"/>
+          </p:cNvSpPr>
+          <p:nvPr>
+            <p:ph type="sldNum" sz="quarter" idx="12"/>
+          </p:nvPr>
+        </p:nvSpPr>
+        <p:spPr/>
+        <p:txBody>
+          <a:bodyPr/>
+          <a:lstStyle/>
+          <a:p>
+            <a:fld id="{64E8CFCF-C9AF-496F-85C4-EF83E7BE6EED}" type="slidenum">
+              <a:rPr lang="fr-FR" smtClean="0"/>
+              <a:t>2</a:t>
+            </a:fld>
+            <a:endParaRPr lang="fr-FR"/>
           </a:p>
         </p:txBody>
       </p:sp>
@@ -7679,6 +11273,35 @@
           </a:ln>
         </p:spPr>
       </p:sp>
+      <p:sp>
+        <p:nvSpPr>
+          <p:cNvPr id="3" name="Espace réservé du numéro de diapositive 2">
+            <a:extLst>
+              <a:ext uri="{FF2B5EF4-FFF2-40B4-BE49-F238E27FC236}">
+                <a16:creationId xmlns:a16="http://schemas.microsoft.com/office/drawing/2014/main" id="{CF9BBCB7-DAF2-4D8D-AC9C-7CFD9F4D5184}"/>
+              </a:ext>
+            </a:extLst>
+          </p:cNvPr>
+          <p:cNvSpPr>
+            <a:spLocks noGrp="1"/>
+          </p:cNvSpPr>
+          <p:nvPr>
+            <p:ph type="sldNum" sz="quarter" idx="12"/>
+          </p:nvPr>
+        </p:nvSpPr>
+        <p:spPr/>
+        <p:txBody>
+          <a:bodyPr/>
+          <a:lstStyle/>
+          <a:p>
+            <a:fld id="{64E8CFCF-C9AF-496F-85C4-EF83E7BE6EED}" type="slidenum">
+              <a:rPr lang="fr-FR" smtClean="0"/>
+              <a:t>3</a:t>
+            </a:fld>
+            <a:endParaRPr lang="fr-FR"/>
+          </a:p>
+        </p:txBody>
+      </p:sp>
     </p:spTree>
     <p:extLst>
       <p:ext uri="{BB962C8B-B14F-4D97-AF65-F5344CB8AC3E}">
@@ -8165,6 +11788,35 @@
           </a:extLst>
         </p:spPr>
       </p:pic>
+      <p:sp>
+        <p:nvSpPr>
+          <p:cNvPr id="3" name="Espace réservé du numéro de diapositive 2">
+            <a:extLst>
+              <a:ext uri="{FF2B5EF4-FFF2-40B4-BE49-F238E27FC236}">
+                <a16:creationId xmlns:a16="http://schemas.microsoft.com/office/drawing/2014/main" id="{15225FEE-376E-47C2-89DA-F9E427139938}"/>
+              </a:ext>
+            </a:extLst>
+          </p:cNvPr>
+          <p:cNvSpPr>
+            <a:spLocks noGrp="1"/>
+          </p:cNvSpPr>
+          <p:nvPr>
+            <p:ph type="sldNum" sz="quarter" idx="12"/>
+          </p:nvPr>
+        </p:nvSpPr>
+        <p:spPr/>
+        <p:txBody>
+          <a:bodyPr/>
+          <a:lstStyle/>
+          <a:p>
+            <a:fld id="{64E8CFCF-C9AF-496F-85C4-EF83E7BE6EED}" type="slidenum">
+              <a:rPr lang="fr-FR" smtClean="0"/>
+              <a:t>4</a:t>
+            </a:fld>
+            <a:endParaRPr lang="fr-FR"/>
+          </a:p>
+        </p:txBody>
+      </p:sp>
     </p:spTree>
     <p:extLst>
       <p:ext uri="{BB962C8B-B14F-4D97-AF65-F5344CB8AC3E}">
@@ -8451,6 +12103,35 @@
           </a:graphicData>
         </a:graphic>
       </p:graphicFrame>
+      <p:sp>
+        <p:nvSpPr>
+          <p:cNvPr id="3" name="Espace réservé du numéro de diapositive 2">
+            <a:extLst>
+              <a:ext uri="{FF2B5EF4-FFF2-40B4-BE49-F238E27FC236}">
+                <a16:creationId xmlns:a16="http://schemas.microsoft.com/office/drawing/2014/main" id="{6CF701A7-EE62-4568-9280-0615C3F026A5}"/>
+              </a:ext>
+            </a:extLst>
+          </p:cNvPr>
+          <p:cNvSpPr>
+            <a:spLocks noGrp="1"/>
+          </p:cNvSpPr>
+          <p:nvPr>
+            <p:ph type="sldNum" sz="quarter" idx="12"/>
+          </p:nvPr>
+        </p:nvSpPr>
+        <p:spPr/>
+        <p:txBody>
+          <a:bodyPr/>
+          <a:lstStyle/>
+          <a:p>
+            <a:fld id="{64E8CFCF-C9AF-496F-85C4-EF83E7BE6EED}" type="slidenum">
+              <a:rPr lang="fr-FR" smtClean="0"/>
+              <a:t>5</a:t>
+            </a:fld>
+            <a:endParaRPr lang="fr-FR"/>
+          </a:p>
+        </p:txBody>
+      </p:sp>
     </p:spTree>
     <p:extLst>
       <p:ext uri="{BB962C8B-B14F-4D97-AF65-F5344CB8AC3E}">
@@ -9081,6 +12762,35 @@
           </a:ln>
         </p:spPr>
       </p:sp>
+      <p:sp>
+        <p:nvSpPr>
+          <p:cNvPr id="4" name="Espace réservé du numéro de diapositive 3">
+            <a:extLst>
+              <a:ext uri="{FF2B5EF4-FFF2-40B4-BE49-F238E27FC236}">
+                <a16:creationId xmlns:a16="http://schemas.microsoft.com/office/drawing/2014/main" id="{B11829D3-8E33-4E7F-83E7-D7A263C977CD}"/>
+              </a:ext>
+            </a:extLst>
+          </p:cNvPr>
+          <p:cNvSpPr>
+            <a:spLocks noGrp="1"/>
+          </p:cNvSpPr>
+          <p:nvPr>
+            <p:ph type="sldNum" sz="quarter" idx="12"/>
+          </p:nvPr>
+        </p:nvSpPr>
+        <p:spPr/>
+        <p:txBody>
+          <a:bodyPr/>
+          <a:lstStyle/>
+          <a:p>
+            <a:fld id="{64E8CFCF-C9AF-496F-85C4-EF83E7BE6EED}" type="slidenum">
+              <a:rPr lang="fr-FR" smtClean="0"/>
+              <a:t>6</a:t>
+            </a:fld>
+            <a:endParaRPr lang="fr-FR"/>
+          </a:p>
+        </p:txBody>
+      </p:sp>
     </p:spTree>
     <p:extLst>
       <p:ext uri="{BB962C8B-B14F-4D97-AF65-F5344CB8AC3E}">
@@ -9433,6 +13143,35 @@
           </a:extLst>
         </p:spPr>
       </p:pic>
+      <p:sp>
+        <p:nvSpPr>
+          <p:cNvPr id="4" name="Espace réservé du numéro de diapositive 3">
+            <a:extLst>
+              <a:ext uri="{FF2B5EF4-FFF2-40B4-BE49-F238E27FC236}">
+                <a16:creationId xmlns:a16="http://schemas.microsoft.com/office/drawing/2014/main" id="{EA0BFB5C-B705-4CE9-A45F-BCD32641149D}"/>
+              </a:ext>
+            </a:extLst>
+          </p:cNvPr>
+          <p:cNvSpPr>
+            <a:spLocks noGrp="1"/>
+          </p:cNvSpPr>
+          <p:nvPr>
+            <p:ph type="sldNum" sz="quarter" idx="12"/>
+          </p:nvPr>
+        </p:nvSpPr>
+        <p:spPr/>
+        <p:txBody>
+          <a:bodyPr/>
+          <a:lstStyle/>
+          <a:p>
+            <a:fld id="{64E8CFCF-C9AF-496F-85C4-EF83E7BE6EED}" type="slidenum">
+              <a:rPr lang="fr-FR" smtClean="0"/>
+              <a:t>7</a:t>
+            </a:fld>
+            <a:endParaRPr lang="fr-FR"/>
+          </a:p>
+        </p:txBody>
+      </p:sp>
     </p:spTree>
     <p:extLst>
       <p:ext uri="{BB962C8B-B14F-4D97-AF65-F5344CB8AC3E}">
@@ -9447,6 +13186,200 @@
 </file>
 
 <file path=ppt/slides/slide8.xml><?xml version="1.0" encoding="utf-8"?>
+<p:sld xmlns:a="http://schemas.openxmlformats.org/drawingml/2006/main" xmlns:r="http://schemas.openxmlformats.org/officeDocument/2006/relationships" xmlns:p="http://schemas.openxmlformats.org/presentationml/2006/main">
+  <p:cSld>
+    <p:bg>
+      <p:bgPr>
+        <a:solidFill>
+          <a:schemeClr val="bg2"/>
+        </a:solidFill>
+        <a:effectLst/>
+      </p:bgPr>
+    </p:bg>
+    <p:spTree>
+      <p:nvGrpSpPr>
+        <p:cNvPr id="1" name=""/>
+        <p:cNvGrpSpPr/>
+        <p:nvPr/>
+      </p:nvGrpSpPr>
+      <p:grpSpPr>
+        <a:xfrm>
+          <a:off x="0" y="0"/>
+          <a:ext cx="0" cy="0"/>
+          <a:chOff x="0" y="0"/>
+          <a:chExt cx="0" cy="0"/>
+        </a:xfrm>
+      </p:grpSpPr>
+      <p:sp useBgFill="1">
+        <p:nvSpPr>
+          <p:cNvPr id="9" name="Rectangle 8">
+            <a:extLst>
+              <a:ext uri="{FF2B5EF4-FFF2-40B4-BE49-F238E27FC236}">
+                <a16:creationId xmlns:a16="http://schemas.microsoft.com/office/drawing/2014/main" id="{30BC9609-A8AF-411F-A9E0-C3B93C8945CA}"/>
+              </a:ext>
+              <a:ext uri="{C183D7F6-B498-43B3-948B-1728B52AA6E4}">
+                <adec:decorative xmlns:adec="http://schemas.microsoft.com/office/drawing/2017/decorative" val="1"/>
+              </a:ext>
+            </a:extLst>
+          </p:cNvPr>
+          <p:cNvSpPr>
+            <a:spLocks noGrp="1" noRot="1" noChangeAspect="1" noMove="1" noResize="1" noEditPoints="1" noAdjustHandles="1" noChangeArrowheads="1" noChangeShapeType="1" noTextEdit="1"/>
+          </p:cNvSpPr>
+          <p:nvPr>
+            <p:extLst>
+              <p:ext uri="{386F3935-93C4-4BCD-93E2-E3B085C9AB24}">
+                <p16:designElem xmlns:p16="http://schemas.microsoft.com/office/powerpoint/2015/main" val="1"/>
+              </p:ext>
+            </p:extLst>
+          </p:nvPr>
+        </p:nvSpPr>
+        <p:spPr>
+          <a:xfrm>
+            <a:off x="0" y="0"/>
+            <a:ext cx="12192000" cy="6858000"/>
+          </a:xfrm>
+          <a:prstGeom prst="rect">
+            <a:avLst/>
+          </a:prstGeom>
+          <a:ln>
+            <a:noFill/>
+          </a:ln>
+        </p:spPr>
+        <p:style>
+          <a:lnRef idx="2">
+            <a:schemeClr val="accent1">
+              <a:shade val="50000"/>
+            </a:schemeClr>
+          </a:lnRef>
+          <a:fillRef idx="1">
+            <a:schemeClr val="accent1"/>
+          </a:fillRef>
+          <a:effectRef idx="0">
+            <a:schemeClr val="accent1"/>
+          </a:effectRef>
+          <a:fontRef idx="minor">
+            <a:schemeClr val="lt1"/>
+          </a:fontRef>
+        </p:style>
+        <p:txBody>
+          <a:bodyPr rtlCol="0" anchor="ctr"/>
+          <a:lstStyle/>
+          <a:p>
+            <a:pPr algn="ctr"/>
+            <a:endParaRPr lang="en-US"/>
+          </a:p>
+        </p:txBody>
+      </p:sp>
+      <p:sp>
+        <p:nvSpPr>
+          <p:cNvPr id="2" name="Titre 1">
+            <a:extLst>
+              <a:ext uri="{FF2B5EF4-FFF2-40B4-BE49-F238E27FC236}">
+                <a16:creationId xmlns:a16="http://schemas.microsoft.com/office/drawing/2014/main" id="{968EB203-5059-406B-BD74-59106300E4FE}"/>
+              </a:ext>
+            </a:extLst>
+          </p:cNvPr>
+          <p:cNvSpPr>
+            <a:spLocks noGrp="1"/>
+          </p:cNvSpPr>
+          <p:nvPr>
+            <p:ph type="title"/>
+          </p:nvPr>
+        </p:nvSpPr>
+        <p:spPr>
+          <a:xfrm>
+            <a:off x="640080" y="639704"/>
+            <a:ext cx="3299579" cy="5577840"/>
+          </a:xfrm>
+        </p:spPr>
+        <p:txBody>
+          <a:bodyPr anchor="ctr">
+            <a:normAutofit/>
+          </a:bodyPr>
+          <a:lstStyle/>
+          <a:p>
+            <a:pPr algn="ctr"/>
+            <a:r>
+              <a:rPr lang="fr-FR"/>
+              <a:t>Industrial comparison</a:t>
+            </a:r>
+          </a:p>
+        </p:txBody>
+      </p:sp>
+      <p:graphicFrame>
+        <p:nvGraphicFramePr>
+          <p:cNvPr id="5" name="Espace réservé du contenu 2">
+            <a:extLst>
+              <a:ext uri="{FF2B5EF4-FFF2-40B4-BE49-F238E27FC236}">
+                <a16:creationId xmlns:a16="http://schemas.microsoft.com/office/drawing/2014/main" id="{CCDABCF7-DD98-4E76-89AF-E2BDD26C8814}"/>
+              </a:ext>
+            </a:extLst>
+          </p:cNvPr>
+          <p:cNvGraphicFramePr>
+            <a:graphicFrameLocks noGrp="1"/>
+          </p:cNvGraphicFramePr>
+          <p:nvPr>
+            <p:ph idx="1"/>
+            <p:extLst>
+              <p:ext uri="{D42A27DB-BD31-4B8C-83A1-F6EECF244321}">
+                <p14:modId xmlns:p14="http://schemas.microsoft.com/office/powerpoint/2010/main" val="369007777"/>
+              </p:ext>
+            </p:extLst>
+          </p:nvPr>
+        </p:nvGraphicFramePr>
+        <p:xfrm>
+          <a:off x="4901472" y="639705"/>
+          <a:ext cx="6506304" cy="5577840"/>
+        </p:xfrm>
+        <a:graphic>
+          <a:graphicData uri="http://schemas.openxmlformats.org/drawingml/2006/diagram">
+            <dgm:relIds xmlns:dgm="http://schemas.openxmlformats.org/drawingml/2006/diagram" xmlns:r="http://schemas.openxmlformats.org/officeDocument/2006/relationships" r:dm="rId2" r:lo="rId3" r:qs="rId4" r:cs="rId5"/>
+          </a:graphicData>
+        </a:graphic>
+      </p:graphicFrame>
+      <p:sp>
+        <p:nvSpPr>
+          <p:cNvPr id="6" name="Espace réservé du numéro de diapositive 5">
+            <a:extLst>
+              <a:ext uri="{FF2B5EF4-FFF2-40B4-BE49-F238E27FC236}">
+                <a16:creationId xmlns:a16="http://schemas.microsoft.com/office/drawing/2014/main" id="{BD975560-E8B6-40A4-A321-4C68A725B1ED}"/>
+              </a:ext>
+            </a:extLst>
+          </p:cNvPr>
+          <p:cNvSpPr>
+            <a:spLocks noGrp="1"/>
+          </p:cNvSpPr>
+          <p:nvPr>
+            <p:ph type="sldNum" sz="quarter" idx="12"/>
+          </p:nvPr>
+        </p:nvSpPr>
+        <p:spPr/>
+        <p:txBody>
+          <a:bodyPr/>
+          <a:lstStyle/>
+          <a:p>
+            <a:fld id="{64E8CFCF-C9AF-496F-85C4-EF83E7BE6EED}" type="slidenum">
+              <a:rPr lang="fr-FR" smtClean="0"/>
+              <a:t>8</a:t>
+            </a:fld>
+            <a:endParaRPr lang="fr-FR"/>
+          </a:p>
+        </p:txBody>
+      </p:sp>
+    </p:spTree>
+    <p:extLst>
+      <p:ext uri="{BB962C8B-B14F-4D97-AF65-F5344CB8AC3E}">
+        <p14:creationId xmlns:p14="http://schemas.microsoft.com/office/powerpoint/2010/main" val="432934632"/>
+      </p:ext>
+    </p:extLst>
+  </p:cSld>
+  <p:clrMapOvr>
+    <a:masterClrMapping/>
+  </p:clrMapOvr>
+</p:sld>
+</file>
+
+<file path=ppt/slides/slide9.xml><?xml version="1.0" encoding="utf-8"?>
 <p:sld xmlns:a="http://schemas.openxmlformats.org/drawingml/2006/main" xmlns:r="http://schemas.openxmlformats.org/officeDocument/2006/relationships" xmlns:p="http://schemas.openxmlformats.org/presentationml/2006/main">
   <p:cSld>
     <p:bg>
@@ -9930,6 +13863,35 @@
           </a:prstGeom>
         </p:spPr>
       </p:pic>
+      <p:sp>
+        <p:nvSpPr>
+          <p:cNvPr id="3" name="Espace réservé du numéro de diapositive 2">
+            <a:extLst>
+              <a:ext uri="{FF2B5EF4-FFF2-40B4-BE49-F238E27FC236}">
+                <a16:creationId xmlns:a16="http://schemas.microsoft.com/office/drawing/2014/main" id="{C188DAF3-798B-4D5F-8D47-D5C08B617EA8}"/>
+              </a:ext>
+            </a:extLst>
+          </p:cNvPr>
+          <p:cNvSpPr>
+            <a:spLocks noGrp="1"/>
+          </p:cNvSpPr>
+          <p:nvPr>
+            <p:ph type="sldNum" sz="quarter" idx="12"/>
+          </p:nvPr>
+        </p:nvSpPr>
+        <p:spPr/>
+        <p:txBody>
+          <a:bodyPr/>
+          <a:lstStyle/>
+          <a:p>
+            <a:fld id="{64E8CFCF-C9AF-496F-85C4-EF83E7BE6EED}" type="slidenum">
+              <a:rPr lang="fr-FR" smtClean="0"/>
+              <a:t>9</a:t>
+            </a:fld>
+            <a:endParaRPr lang="fr-FR"/>
+          </a:p>
+        </p:txBody>
+      </p:sp>
     </p:spTree>
     <p:extLst>
       <p:ext uri="{BB962C8B-B14F-4D97-AF65-F5344CB8AC3E}">
@@ -10199,4 +14161,299 @@
     </a:ext>
   </a:extLst>
 </a:theme>
+</file>
+
+<file path=ppt/theme/theme2.xml><?xml version="1.0" encoding="utf-8"?>
+<a:theme xmlns:a="http://schemas.openxmlformats.org/drawingml/2006/main" name="Thème Office">
+  <a:themeElements>
+    <a:clrScheme name="Office">
+      <a:dk1>
+        <a:sysClr val="windowText" lastClr="000000"/>
+      </a:dk1>
+      <a:lt1>
+        <a:sysClr val="window" lastClr="FFFFFF"/>
+      </a:lt1>
+      <a:dk2>
+        <a:srgbClr val="44546A"/>
+      </a:dk2>
+      <a:lt2>
+        <a:srgbClr val="E7E6E6"/>
+      </a:lt2>
+      <a:accent1>
+        <a:srgbClr val="4472C4"/>
+      </a:accent1>
+      <a:accent2>
+        <a:srgbClr val="ED7D31"/>
+      </a:accent2>
+      <a:accent3>
+        <a:srgbClr val="A5A5A5"/>
+      </a:accent3>
+      <a:accent4>
+        <a:srgbClr val="FFC000"/>
+      </a:accent4>
+      <a:accent5>
+        <a:srgbClr val="5B9BD5"/>
+      </a:accent5>
+      <a:accent6>
+        <a:srgbClr val="70AD47"/>
+      </a:accent6>
+      <a:hlink>
+        <a:srgbClr val="0563C1"/>
+      </a:hlink>
+      <a:folHlink>
+        <a:srgbClr val="954F72"/>
+      </a:folHlink>
+    </a:clrScheme>
+    <a:fontScheme name="Office">
+      <a:majorFont>
+        <a:latin typeface="Calibri Light" panose="020F0302020204030204"/>
+        <a:ea typeface=""/>
+        <a:cs typeface=""/>
+        <a:font script="Jpan" typeface="游ゴシック Light"/>
+        <a:font script="Hang" typeface="맑은 고딕"/>
+        <a:font script="Hans" typeface="等线 Light"/>
+        <a:font script="Hant" typeface="新細明體"/>
+        <a:font script="Arab" typeface="Times New Roman"/>
+        <a:font script="Hebr" typeface="Times New Roman"/>
+        <a:font script="Thai" typeface="Angsana New"/>
+        <a:font script="Ethi" typeface="Nyala"/>
+        <a:font script="Beng" typeface="Vrinda"/>
+        <a:font script="Gujr" typeface="Shruti"/>
+        <a:font script="Khmr" typeface="MoolBoran"/>
+        <a:font script="Knda" typeface="Tunga"/>
+        <a:font script="Guru" typeface="Raavi"/>
+        <a:font script="Cans" typeface="Euphemia"/>
+        <a:font script="Cher" typeface="Plantagenet Cherokee"/>
+        <a:font script="Yiii" typeface="Microsoft Yi Baiti"/>
+        <a:font script="Tibt" typeface="Microsoft Himalaya"/>
+        <a:font script="Thaa" typeface="MV Boli"/>
+        <a:font script="Deva" typeface="Mangal"/>
+        <a:font script="Telu" typeface="Gautami"/>
+        <a:font script="Taml" typeface="Latha"/>
+        <a:font script="Syrc" typeface="Estrangelo Edessa"/>
+        <a:font script="Orya" typeface="Kalinga"/>
+        <a:font script="Mlym" typeface="Kartika"/>
+        <a:font script="Laoo" typeface="DokChampa"/>
+        <a:font script="Sinh" typeface="Iskoola Pota"/>
+        <a:font script="Mong" typeface="Mongolian Baiti"/>
+        <a:font script="Viet" typeface="Times New Roman"/>
+        <a:font script="Uigh" typeface="Microsoft Uighur"/>
+        <a:font script="Geor" typeface="Sylfaen"/>
+        <a:font script="Armn" typeface="Arial"/>
+        <a:font script="Bugi" typeface="Leelawadee UI"/>
+        <a:font script="Bopo" typeface="Microsoft JhengHei"/>
+        <a:font script="Java" typeface="Javanese Text"/>
+        <a:font script="Lisu" typeface="Segoe UI"/>
+        <a:font script="Mymr" typeface="Myanmar Text"/>
+        <a:font script="Nkoo" typeface="Ebrima"/>
+        <a:font script="Olck" typeface="Nirmala UI"/>
+        <a:font script="Osma" typeface="Ebrima"/>
+        <a:font script="Phag" typeface="Phagspa"/>
+        <a:font script="Syrn" typeface="Estrangelo Edessa"/>
+        <a:font script="Syrj" typeface="Estrangelo Edessa"/>
+        <a:font script="Syre" typeface="Estrangelo Edessa"/>
+        <a:font script="Sora" typeface="Nirmala UI"/>
+        <a:font script="Tale" typeface="Microsoft Tai Le"/>
+        <a:font script="Talu" typeface="Microsoft New Tai Lue"/>
+        <a:font script="Tfng" typeface="Ebrima"/>
+      </a:majorFont>
+      <a:minorFont>
+        <a:latin typeface="Calibri" panose="020F0502020204030204"/>
+        <a:ea typeface=""/>
+        <a:cs typeface=""/>
+        <a:font script="Jpan" typeface="游ゴシック"/>
+        <a:font script="Hang" typeface="맑은 고딕"/>
+        <a:font script="Hans" typeface="等线"/>
+        <a:font script="Hant" typeface="新細明體"/>
+        <a:font script="Arab" typeface="Arial"/>
+        <a:font script="Hebr" typeface="Arial"/>
+        <a:font script="Thai" typeface="Cordia New"/>
+        <a:font script="Ethi" typeface="Nyala"/>
+        <a:font script="Beng" typeface="Vrinda"/>
+        <a:font script="Gujr" typeface="Shruti"/>
+        <a:font script="Khmr" typeface="DaunPenh"/>
+        <a:font script="Knda" typeface="Tunga"/>
+        <a:font script="Guru" typeface="Raavi"/>
+        <a:font script="Cans" typeface="Euphemia"/>
+        <a:font script="Cher" typeface="Plantagenet Cherokee"/>
+        <a:font script="Yiii" typeface="Microsoft Yi Baiti"/>
+        <a:font script="Tibt" typeface="Microsoft Himalaya"/>
+        <a:font script="Thaa" typeface="MV Boli"/>
+        <a:font script="Deva" typeface="Mangal"/>
+        <a:font script="Telu" typeface="Gautami"/>
+        <a:font script="Taml" typeface="Latha"/>
+        <a:font script="Syrc" typeface="Estrangelo Edessa"/>
+        <a:font script="Orya" typeface="Kalinga"/>
+        <a:font script="Mlym" typeface="Kartika"/>
+        <a:font script="Laoo" typeface="DokChampa"/>
+        <a:font script="Sinh" typeface="Iskoola Pota"/>
+        <a:font script="Mong" typeface="Mongolian Baiti"/>
+        <a:font script="Viet" typeface="Arial"/>
+        <a:font script="Uigh" typeface="Microsoft Uighur"/>
+        <a:font script="Geor" typeface="Sylfaen"/>
+        <a:font script="Armn" typeface="Arial"/>
+        <a:font script="Bugi" typeface="Leelawadee UI"/>
+        <a:font script="Bopo" typeface="Microsoft JhengHei"/>
+        <a:font script="Java" typeface="Javanese Text"/>
+        <a:font script="Lisu" typeface="Segoe UI"/>
+        <a:font script="Mymr" typeface="Myanmar Text"/>
+        <a:font script="Nkoo" typeface="Ebrima"/>
+        <a:font script="Olck" typeface="Nirmala UI"/>
+        <a:font script="Osma" typeface="Ebrima"/>
+        <a:font script="Phag" typeface="Phagspa"/>
+        <a:font script="Syrn" typeface="Estrangelo Edessa"/>
+        <a:font script="Syrj" typeface="Estrangelo Edessa"/>
+        <a:font script="Syre" typeface="Estrangelo Edessa"/>
+        <a:font script="Sora" typeface="Nirmala UI"/>
+        <a:font script="Tale" typeface="Microsoft Tai Le"/>
+        <a:font script="Talu" typeface="Microsoft New Tai Lue"/>
+        <a:font script="Tfng" typeface="Ebrima"/>
+      </a:minorFont>
+    </a:fontScheme>
+    <a:fmtScheme name="Office">
+      <a:fillStyleLst>
+        <a:solidFill>
+          <a:schemeClr val="phClr"/>
+        </a:solidFill>
+        <a:gradFill rotWithShape="1">
+          <a:gsLst>
+            <a:gs pos="0">
+              <a:schemeClr val="phClr">
+                <a:lumMod val="110000"/>
+                <a:satMod val="105000"/>
+                <a:tint val="67000"/>
+              </a:schemeClr>
+            </a:gs>
+            <a:gs pos="50000">
+              <a:schemeClr val="phClr">
+                <a:lumMod val="105000"/>
+                <a:satMod val="103000"/>
+                <a:tint val="73000"/>
+              </a:schemeClr>
+            </a:gs>
+            <a:gs pos="100000">
+              <a:schemeClr val="phClr">
+                <a:lumMod val="105000"/>
+                <a:satMod val="109000"/>
+                <a:tint val="81000"/>
+              </a:schemeClr>
+            </a:gs>
+          </a:gsLst>
+          <a:lin ang="5400000" scaled="0"/>
+        </a:gradFill>
+        <a:gradFill rotWithShape="1">
+          <a:gsLst>
+            <a:gs pos="0">
+              <a:schemeClr val="phClr">
+                <a:satMod val="103000"/>
+                <a:lumMod val="102000"/>
+                <a:tint val="94000"/>
+              </a:schemeClr>
+            </a:gs>
+            <a:gs pos="50000">
+              <a:schemeClr val="phClr">
+                <a:satMod val="110000"/>
+                <a:lumMod val="100000"/>
+                <a:shade val="100000"/>
+              </a:schemeClr>
+            </a:gs>
+            <a:gs pos="100000">
+              <a:schemeClr val="phClr">
+                <a:lumMod val="99000"/>
+                <a:satMod val="120000"/>
+                <a:shade val="78000"/>
+              </a:schemeClr>
+            </a:gs>
+          </a:gsLst>
+          <a:lin ang="5400000" scaled="0"/>
+        </a:gradFill>
+      </a:fillStyleLst>
+      <a:lnStyleLst>
+        <a:ln w="6350" cap="flat" cmpd="sng" algn="ctr">
+          <a:solidFill>
+            <a:schemeClr val="phClr"/>
+          </a:solidFill>
+          <a:prstDash val="solid"/>
+          <a:miter lim="800000"/>
+        </a:ln>
+        <a:ln w="12700" cap="flat" cmpd="sng" algn="ctr">
+          <a:solidFill>
+            <a:schemeClr val="phClr"/>
+          </a:solidFill>
+          <a:prstDash val="solid"/>
+          <a:miter lim="800000"/>
+        </a:ln>
+        <a:ln w="19050" cap="flat" cmpd="sng" algn="ctr">
+          <a:solidFill>
+            <a:schemeClr val="phClr"/>
+          </a:solidFill>
+          <a:prstDash val="solid"/>
+          <a:miter lim="800000"/>
+        </a:ln>
+      </a:lnStyleLst>
+      <a:effectStyleLst>
+        <a:effectStyle>
+          <a:effectLst/>
+        </a:effectStyle>
+        <a:effectStyle>
+          <a:effectLst/>
+        </a:effectStyle>
+        <a:effectStyle>
+          <a:effectLst>
+            <a:outerShdw blurRad="57150" dist="19050" dir="5400000" algn="ctr" rotWithShape="0">
+              <a:srgbClr val="000000">
+                <a:alpha val="63000"/>
+              </a:srgbClr>
+            </a:outerShdw>
+          </a:effectLst>
+        </a:effectStyle>
+      </a:effectStyleLst>
+      <a:bgFillStyleLst>
+        <a:solidFill>
+          <a:schemeClr val="phClr"/>
+        </a:solidFill>
+        <a:solidFill>
+          <a:schemeClr val="phClr">
+            <a:tint val="95000"/>
+            <a:satMod val="170000"/>
+          </a:schemeClr>
+        </a:solidFill>
+        <a:gradFill rotWithShape="1">
+          <a:gsLst>
+            <a:gs pos="0">
+              <a:schemeClr val="phClr">
+                <a:tint val="93000"/>
+                <a:satMod val="150000"/>
+                <a:shade val="98000"/>
+                <a:lumMod val="102000"/>
+              </a:schemeClr>
+            </a:gs>
+            <a:gs pos="50000">
+              <a:schemeClr val="phClr">
+                <a:tint val="98000"/>
+                <a:satMod val="130000"/>
+                <a:shade val="90000"/>
+                <a:lumMod val="103000"/>
+              </a:schemeClr>
+            </a:gs>
+            <a:gs pos="100000">
+              <a:schemeClr val="phClr">
+                <a:shade val="63000"/>
+                <a:satMod val="120000"/>
+              </a:schemeClr>
+            </a:gs>
+          </a:gsLst>
+          <a:lin ang="5400000" scaled="0"/>
+        </a:gradFill>
+      </a:bgFillStyleLst>
+    </a:fmtScheme>
+  </a:themeElements>
+  <a:objectDefaults/>
+  <a:extraClrSchemeLst/>
+  <a:extLst>
+    <a:ext uri="{05A4C25C-085E-4340-85A3-A5531E510DB2}">
+      <thm15:themeFamily xmlns:thm15="http://schemas.microsoft.com/office/thememl/2012/main" name="Office Theme" id="{62F939B6-93AF-4DB8-9C6B-D6C7DFDC589F}" vid="{4A3C46E8-61CC-4603-A589-7422A47A8E4A}"/>
+    </a:ext>
+  </a:extLst>
+</a:theme>
 </file>